--- a/docs/Hive/图解.pptx
+++ b/docs/Hive/图解.pptx
@@ -7,6 +7,7 @@
   <p:sldIdLst>
     <p:sldId id="256" r:id="rId2"/>
     <p:sldId id="257" r:id="rId3"/>
+    <p:sldId id="258" r:id="rId4"/>
   </p:sldIdLst>
   <p:sldSz cx="12192000" cy="6858000"/>
   <p:notesSz cx="6858000" cy="9144000"/>
@@ -260,7 +261,7 @@
           <a:p>
             <a:fld id="{B6CF4316-A46E-4E2B-AD5C-D864F14A2A3D}" type="datetimeFigureOut">
               <a:rPr lang="zh-CN" altLang="en-US" smtClean="0"/>
-              <a:t>2020/11/1</a:t>
+              <a:t>2020/11/2</a:t>
             </a:fld>
             <a:endParaRPr lang="zh-CN" altLang="en-US"/>
           </a:p>
@@ -458,7 +459,7 @@
           <a:p>
             <a:fld id="{B6CF4316-A46E-4E2B-AD5C-D864F14A2A3D}" type="datetimeFigureOut">
               <a:rPr lang="zh-CN" altLang="en-US" smtClean="0"/>
-              <a:t>2020/11/1</a:t>
+              <a:t>2020/11/2</a:t>
             </a:fld>
             <a:endParaRPr lang="zh-CN" altLang="en-US"/>
           </a:p>
@@ -666,7 +667,7 @@
           <a:p>
             <a:fld id="{B6CF4316-A46E-4E2B-AD5C-D864F14A2A3D}" type="datetimeFigureOut">
               <a:rPr lang="zh-CN" altLang="en-US" smtClean="0"/>
-              <a:t>2020/11/1</a:t>
+              <a:t>2020/11/2</a:t>
             </a:fld>
             <a:endParaRPr lang="zh-CN" altLang="en-US"/>
           </a:p>
@@ -864,7 +865,7 @@
           <a:p>
             <a:fld id="{B6CF4316-A46E-4E2B-AD5C-D864F14A2A3D}" type="datetimeFigureOut">
               <a:rPr lang="zh-CN" altLang="en-US" smtClean="0"/>
-              <a:t>2020/11/1</a:t>
+              <a:t>2020/11/2</a:t>
             </a:fld>
             <a:endParaRPr lang="zh-CN" altLang="en-US"/>
           </a:p>
@@ -1139,7 +1140,7 @@
           <a:p>
             <a:fld id="{B6CF4316-A46E-4E2B-AD5C-D864F14A2A3D}" type="datetimeFigureOut">
               <a:rPr lang="zh-CN" altLang="en-US" smtClean="0"/>
-              <a:t>2020/11/1</a:t>
+              <a:t>2020/11/2</a:t>
             </a:fld>
             <a:endParaRPr lang="zh-CN" altLang="en-US"/>
           </a:p>
@@ -1404,7 +1405,7 @@
           <a:p>
             <a:fld id="{B6CF4316-A46E-4E2B-AD5C-D864F14A2A3D}" type="datetimeFigureOut">
               <a:rPr lang="zh-CN" altLang="en-US" smtClean="0"/>
-              <a:t>2020/11/1</a:t>
+              <a:t>2020/11/2</a:t>
             </a:fld>
             <a:endParaRPr lang="zh-CN" altLang="en-US"/>
           </a:p>
@@ -1816,7 +1817,7 @@
           <a:p>
             <a:fld id="{B6CF4316-A46E-4E2B-AD5C-D864F14A2A3D}" type="datetimeFigureOut">
               <a:rPr lang="zh-CN" altLang="en-US" smtClean="0"/>
-              <a:t>2020/11/1</a:t>
+              <a:t>2020/11/2</a:t>
             </a:fld>
             <a:endParaRPr lang="zh-CN" altLang="en-US"/>
           </a:p>
@@ -1957,7 +1958,7 @@
           <a:p>
             <a:fld id="{B6CF4316-A46E-4E2B-AD5C-D864F14A2A3D}" type="datetimeFigureOut">
               <a:rPr lang="zh-CN" altLang="en-US" smtClean="0"/>
-              <a:t>2020/11/1</a:t>
+              <a:t>2020/11/2</a:t>
             </a:fld>
             <a:endParaRPr lang="zh-CN" altLang="en-US"/>
           </a:p>
@@ -2070,7 +2071,7 @@
           <a:p>
             <a:fld id="{B6CF4316-A46E-4E2B-AD5C-D864F14A2A3D}" type="datetimeFigureOut">
               <a:rPr lang="zh-CN" altLang="en-US" smtClean="0"/>
-              <a:t>2020/11/1</a:t>
+              <a:t>2020/11/2</a:t>
             </a:fld>
             <a:endParaRPr lang="zh-CN" altLang="en-US"/>
           </a:p>
@@ -2381,7 +2382,7 @@
           <a:p>
             <a:fld id="{B6CF4316-A46E-4E2B-AD5C-D864F14A2A3D}" type="datetimeFigureOut">
               <a:rPr lang="zh-CN" altLang="en-US" smtClean="0"/>
-              <a:t>2020/11/1</a:t>
+              <a:t>2020/11/2</a:t>
             </a:fld>
             <a:endParaRPr lang="zh-CN" altLang="en-US"/>
           </a:p>
@@ -2669,7 +2670,7 @@
           <a:p>
             <a:fld id="{B6CF4316-A46E-4E2B-AD5C-D864F14A2A3D}" type="datetimeFigureOut">
               <a:rPr lang="zh-CN" altLang="en-US" smtClean="0"/>
-              <a:t>2020/11/1</a:t>
+              <a:t>2020/11/2</a:t>
             </a:fld>
             <a:endParaRPr lang="zh-CN" altLang="en-US"/>
           </a:p>
@@ -2910,7 +2911,7 @@
           <a:p>
             <a:fld id="{B6CF4316-A46E-4E2B-AD5C-D864F14A2A3D}" type="datetimeFigureOut">
               <a:rPr lang="zh-CN" altLang="en-US" smtClean="0"/>
-              <a:t>2020/11/1</a:t>
+              <a:t>2020/11/2</a:t>
             </a:fld>
             <a:endParaRPr lang="zh-CN" altLang="en-US"/>
           </a:p>
@@ -6749,6 +6750,4565 @@
 </p:sld>
 </file>
 
+<file path=ppt/slides/slide3.xml><?xml version="1.0" encoding="utf-8"?>
+<p:sld xmlns:a="http://schemas.openxmlformats.org/drawingml/2006/main" xmlns:r="http://schemas.openxmlformats.org/officeDocument/2006/relationships" xmlns:p="http://schemas.openxmlformats.org/presentationml/2006/main">
+  <p:cSld>
+    <p:spTree>
+      <p:nvGrpSpPr>
+        <p:cNvPr id="1" name=""/>
+        <p:cNvGrpSpPr/>
+        <p:nvPr/>
+      </p:nvGrpSpPr>
+      <p:grpSpPr>
+        <a:xfrm>
+          <a:off x="0" y="0"/>
+          <a:ext cx="0" cy="0"/>
+          <a:chOff x="0" y="0"/>
+          <a:chExt cx="0" cy="0"/>
+        </a:xfrm>
+      </p:grpSpPr>
+      <p:sp>
+        <p:nvSpPr>
+          <p:cNvPr id="2" name="TextBox 140">
+            <a:extLst>
+              <a:ext uri="{FF2B5EF4-FFF2-40B4-BE49-F238E27FC236}">
+                <a16:creationId xmlns:a16="http://schemas.microsoft.com/office/drawing/2014/main" id="{913C0D82-CEDA-4846-ACD4-25877A3EA711}"/>
+              </a:ext>
+            </a:extLst>
+          </p:cNvPr>
+          <p:cNvSpPr txBox="1"/>
+          <p:nvPr/>
+        </p:nvSpPr>
+        <p:spPr>
+          <a:xfrm>
+            <a:off x="4909491" y="1131601"/>
+            <a:ext cx="1757251" cy="387798"/>
+          </a:xfrm>
+          <a:prstGeom prst="rect">
+            <a:avLst/>
+          </a:prstGeom>
+          <a:noFill/>
+        </p:spPr>
+        <p:txBody>
+          <a:bodyPr wrap="square" rtlCol="0">
+            <a:spAutoFit/>
+          </a:bodyPr>
+          <a:lstStyle/>
+          <a:p>
+            <a:pPr algn="just">
+              <a:lnSpc>
+                <a:spcPct val="120000"/>
+              </a:lnSpc>
+            </a:pPr>
+            <a:r>
+              <a:rPr lang="en-US" altLang="zh-CN" sz="1600" b="1" dirty="0" err="1">
+                <a:solidFill>
+                  <a:srgbClr val="FF0000"/>
+                </a:solidFill>
+                <a:latin typeface="方正兰亭超细黑简体" panose="02000000000000000000" pitchFamily="2" charset="-122"/>
+                <a:ea typeface="方正兰亭超细黑简体" panose="02000000000000000000" pitchFamily="2" charset="-122"/>
+              </a:rPr>
+              <a:t>MapJoin</a:t>
+            </a:r>
+            <a:endParaRPr lang="en-US" altLang="zh-CN" sz="1600" b="1" dirty="0">
+              <a:solidFill>
+                <a:srgbClr val="FF0000"/>
+              </a:solidFill>
+              <a:latin typeface="方正兰亭超细黑简体" panose="02000000000000000000" pitchFamily="2" charset="-122"/>
+              <a:ea typeface="方正兰亭超细黑简体" panose="02000000000000000000" pitchFamily="2" charset="-122"/>
+            </a:endParaRPr>
+          </a:p>
+        </p:txBody>
+      </p:sp>
+      <p:sp>
+        <p:nvSpPr>
+          <p:cNvPr id="3" name="矩形 2">
+            <a:extLst>
+              <a:ext uri="{FF2B5EF4-FFF2-40B4-BE49-F238E27FC236}">
+                <a16:creationId xmlns:a16="http://schemas.microsoft.com/office/drawing/2014/main" id="{8A4261CC-4A1D-422D-84BB-63A4D2160A48}"/>
+              </a:ext>
+            </a:extLst>
+          </p:cNvPr>
+          <p:cNvSpPr/>
+          <p:nvPr/>
+        </p:nvSpPr>
+        <p:spPr>
+          <a:xfrm>
+            <a:off x="2107562" y="1766684"/>
+            <a:ext cx="1151283" cy="252028"/>
+          </a:xfrm>
+          <a:prstGeom prst="rect">
+            <a:avLst/>
+          </a:prstGeom>
+        </p:spPr>
+        <p:style>
+          <a:lnRef idx="2">
+            <a:schemeClr val="accent6"/>
+          </a:lnRef>
+          <a:fillRef idx="1">
+            <a:schemeClr val="lt1"/>
+          </a:fillRef>
+          <a:effectRef idx="0">
+            <a:schemeClr val="accent6"/>
+          </a:effectRef>
+          <a:fontRef idx="minor">
+            <a:schemeClr val="dk1"/>
+          </a:fontRef>
+        </p:style>
+        <p:txBody>
+          <a:bodyPr rtlCol="0" anchor="ctr"/>
+          <a:lstStyle/>
+          <a:p>
+            <a:pPr algn="ctr"/>
+            <a:r>
+              <a:rPr lang="en-US" altLang="zh-CN" sz="1200" dirty="0"/>
+              <a:t>Task A</a:t>
+            </a:r>
+            <a:endParaRPr lang="zh-CN" altLang="en-US" sz="1200" dirty="0"/>
+          </a:p>
+        </p:txBody>
+      </p:sp>
+      <p:sp>
+        <p:nvSpPr>
+          <p:cNvPr id="4" name="矩形 3">
+            <a:extLst>
+              <a:ext uri="{FF2B5EF4-FFF2-40B4-BE49-F238E27FC236}">
+                <a16:creationId xmlns:a16="http://schemas.microsoft.com/office/drawing/2014/main" id="{0F611713-96E0-48B6-8923-3279268E2B56}"/>
+              </a:ext>
+            </a:extLst>
+          </p:cNvPr>
+          <p:cNvSpPr/>
+          <p:nvPr/>
+        </p:nvSpPr>
+        <p:spPr>
+          <a:xfrm>
+            <a:off x="2107562" y="2397183"/>
+            <a:ext cx="1151283" cy="269602"/>
+          </a:xfrm>
+          <a:prstGeom prst="rect">
+            <a:avLst/>
+          </a:prstGeom>
+        </p:spPr>
+        <p:style>
+          <a:lnRef idx="2">
+            <a:schemeClr val="accent6"/>
+          </a:lnRef>
+          <a:fillRef idx="1">
+            <a:schemeClr val="lt1"/>
+          </a:fillRef>
+          <a:effectRef idx="0">
+            <a:schemeClr val="accent6"/>
+          </a:effectRef>
+          <a:fontRef idx="minor">
+            <a:schemeClr val="dk1"/>
+          </a:fontRef>
+        </p:style>
+        <p:txBody>
+          <a:bodyPr rtlCol="0" anchor="ctr"/>
+          <a:lstStyle/>
+          <a:p>
+            <a:pPr algn="ctr"/>
+            <a:r>
+              <a:rPr lang="en-US" altLang="zh-CN" sz="1200" dirty="0"/>
+              <a:t>MR Local Task</a:t>
+            </a:r>
+            <a:endParaRPr lang="zh-CN" altLang="en-US" sz="1200" dirty="0"/>
+          </a:p>
+        </p:txBody>
+      </p:sp>
+      <p:sp>
+        <p:nvSpPr>
+          <p:cNvPr id="5" name="矩形 4">
+            <a:extLst>
+              <a:ext uri="{FF2B5EF4-FFF2-40B4-BE49-F238E27FC236}">
+                <a16:creationId xmlns:a16="http://schemas.microsoft.com/office/drawing/2014/main" id="{808039FE-B6E1-4CB6-B718-07A91219D0E5}"/>
+              </a:ext>
+            </a:extLst>
+          </p:cNvPr>
+          <p:cNvSpPr/>
+          <p:nvPr/>
+        </p:nvSpPr>
+        <p:spPr>
+          <a:xfrm>
+            <a:off x="4235775" y="1766684"/>
+            <a:ext cx="1152128" cy="252028"/>
+          </a:xfrm>
+          <a:prstGeom prst="rect">
+            <a:avLst/>
+          </a:prstGeom>
+        </p:spPr>
+        <p:style>
+          <a:lnRef idx="2">
+            <a:schemeClr val="accent6"/>
+          </a:lnRef>
+          <a:fillRef idx="1">
+            <a:schemeClr val="lt1"/>
+          </a:fillRef>
+          <a:effectRef idx="0">
+            <a:schemeClr val="accent6"/>
+          </a:effectRef>
+          <a:fontRef idx="minor">
+            <a:schemeClr val="dk1"/>
+          </a:fontRef>
+        </p:style>
+        <p:txBody>
+          <a:bodyPr rtlCol="0" anchor="ctr"/>
+          <a:lstStyle/>
+          <a:p>
+            <a:pPr algn="ctr"/>
+            <a:r>
+              <a:rPr lang="en-US" altLang="zh-CN" sz="1200" dirty="0"/>
+              <a:t>Small Table b</a:t>
+            </a:r>
+            <a:endParaRPr lang="zh-CN" altLang="en-US" sz="1200" dirty="0"/>
+          </a:p>
+        </p:txBody>
+      </p:sp>
+      <p:sp>
+        <p:nvSpPr>
+          <p:cNvPr id="6" name="矩形 5">
+            <a:extLst>
+              <a:ext uri="{FF2B5EF4-FFF2-40B4-BE49-F238E27FC236}">
+                <a16:creationId xmlns:a16="http://schemas.microsoft.com/office/drawing/2014/main" id="{74904EFA-46C7-445E-8E94-3A11B34677FC}"/>
+              </a:ext>
+            </a:extLst>
+          </p:cNvPr>
+          <p:cNvSpPr/>
+          <p:nvPr/>
+        </p:nvSpPr>
+        <p:spPr>
+          <a:xfrm>
+            <a:off x="4235774" y="2397183"/>
+            <a:ext cx="1152128" cy="269602"/>
+          </a:xfrm>
+          <a:prstGeom prst="rect">
+            <a:avLst/>
+          </a:prstGeom>
+        </p:spPr>
+        <p:style>
+          <a:lnRef idx="2">
+            <a:schemeClr val="accent6"/>
+          </a:lnRef>
+          <a:fillRef idx="1">
+            <a:schemeClr val="lt1"/>
+          </a:fillRef>
+          <a:effectRef idx="0">
+            <a:schemeClr val="accent6"/>
+          </a:effectRef>
+          <a:fontRef idx="minor">
+            <a:schemeClr val="dk1"/>
+          </a:fontRef>
+        </p:style>
+        <p:txBody>
+          <a:bodyPr rtlCol="0" anchor="ctr"/>
+          <a:lstStyle/>
+          <a:p>
+            <a:pPr algn="ctr"/>
+            <a:r>
+              <a:rPr lang="en-US" altLang="zh-CN" sz="1200" dirty="0" err="1"/>
+              <a:t>HashTable</a:t>
+            </a:r>
+            <a:r>
+              <a:rPr lang="en-US" altLang="zh-CN" sz="1200" dirty="0"/>
+              <a:t> Files</a:t>
+            </a:r>
+            <a:endParaRPr lang="zh-CN" altLang="en-US" sz="1200" dirty="0"/>
+          </a:p>
+        </p:txBody>
+      </p:sp>
+      <p:sp>
+        <p:nvSpPr>
+          <p:cNvPr id="7" name="矩形 6">
+            <a:extLst>
+              <a:ext uri="{FF2B5EF4-FFF2-40B4-BE49-F238E27FC236}">
+                <a16:creationId xmlns:a16="http://schemas.microsoft.com/office/drawing/2014/main" id="{7FCF095D-FC45-47EE-A310-B66F12C1F146}"/>
+              </a:ext>
+            </a:extLst>
+          </p:cNvPr>
+          <p:cNvSpPr/>
+          <p:nvPr/>
+        </p:nvSpPr>
+        <p:spPr>
+          <a:xfrm>
+            <a:off x="5203061" y="3098832"/>
+            <a:ext cx="1224136" cy="288032"/>
+          </a:xfrm>
+          <a:prstGeom prst="rect">
+            <a:avLst/>
+          </a:prstGeom>
+        </p:spPr>
+        <p:style>
+          <a:lnRef idx="2">
+            <a:schemeClr val="accent6"/>
+          </a:lnRef>
+          <a:fillRef idx="1">
+            <a:schemeClr val="lt1"/>
+          </a:fillRef>
+          <a:effectRef idx="0">
+            <a:schemeClr val="accent6"/>
+          </a:effectRef>
+          <a:fontRef idx="minor">
+            <a:schemeClr val="dk1"/>
+          </a:fontRef>
+        </p:style>
+        <p:txBody>
+          <a:bodyPr rtlCol="0" anchor="ctr"/>
+          <a:lstStyle/>
+          <a:p>
+            <a:pPr algn="ctr"/>
+            <a:r>
+              <a:rPr lang="en-US" altLang="zh-CN" sz="1200" dirty="0"/>
+              <a:t>Distribute Cache</a:t>
+            </a:r>
+            <a:endParaRPr lang="zh-CN" altLang="en-US" sz="1200" dirty="0"/>
+          </a:p>
+        </p:txBody>
+      </p:sp>
+      <p:sp>
+        <p:nvSpPr>
+          <p:cNvPr id="8" name="矩形 7">
+            <a:extLst>
+              <a:ext uri="{FF2B5EF4-FFF2-40B4-BE49-F238E27FC236}">
+                <a16:creationId xmlns:a16="http://schemas.microsoft.com/office/drawing/2014/main" id="{272E8B2E-6F12-4B83-A190-19D86F4D1E19}"/>
+              </a:ext>
+            </a:extLst>
+          </p:cNvPr>
+          <p:cNvSpPr/>
+          <p:nvPr/>
+        </p:nvSpPr>
+        <p:spPr>
+          <a:xfrm>
+            <a:off x="2034709" y="3254268"/>
+            <a:ext cx="1296144" cy="1644764"/>
+          </a:xfrm>
+          <a:prstGeom prst="rect">
+            <a:avLst/>
+          </a:prstGeom>
+        </p:spPr>
+        <p:style>
+          <a:lnRef idx="2">
+            <a:schemeClr val="accent4"/>
+          </a:lnRef>
+          <a:fillRef idx="1">
+            <a:schemeClr val="lt1"/>
+          </a:fillRef>
+          <a:effectRef idx="0">
+            <a:schemeClr val="accent4"/>
+          </a:effectRef>
+          <a:fontRef idx="minor">
+            <a:schemeClr val="dk1"/>
+          </a:fontRef>
+        </p:style>
+        <p:txBody>
+          <a:bodyPr rtlCol="0" anchor="ctr"/>
+          <a:lstStyle/>
+          <a:p>
+            <a:pPr algn="ctr"/>
+            <a:endParaRPr lang="zh-CN" altLang="en-US" sz="1200" dirty="0"/>
+          </a:p>
+        </p:txBody>
+      </p:sp>
+      <p:sp>
+        <p:nvSpPr>
+          <p:cNvPr id="9" name="矩形 8">
+            <a:extLst>
+              <a:ext uri="{FF2B5EF4-FFF2-40B4-BE49-F238E27FC236}">
+                <a16:creationId xmlns:a16="http://schemas.microsoft.com/office/drawing/2014/main" id="{4043B2D2-0A08-4023-8BAB-EA07FBCE29AB}"/>
+              </a:ext>
+            </a:extLst>
+          </p:cNvPr>
+          <p:cNvSpPr/>
+          <p:nvPr/>
+        </p:nvSpPr>
+        <p:spPr>
+          <a:xfrm>
+            <a:off x="2075305" y="3303850"/>
+            <a:ext cx="1421904" cy="461665"/>
+          </a:xfrm>
+          <a:prstGeom prst="rect">
+            <a:avLst/>
+          </a:prstGeom>
+        </p:spPr>
+        <p:txBody>
+          <a:bodyPr wrap="square">
+            <a:spAutoFit/>
+          </a:bodyPr>
+          <a:lstStyle/>
+          <a:p>
+            <a:pPr algn="ctr"/>
+            <a:r>
+              <a:rPr lang="en-US" altLang="zh-CN" sz="1200" dirty="0"/>
+              <a:t>Task B</a:t>
+            </a:r>
+          </a:p>
+          <a:p>
+            <a:pPr algn="ctr"/>
+            <a:r>
+              <a:rPr lang="en-US" altLang="zh-CN" sz="1200" dirty="0" err="1"/>
+              <a:t>MapJoinTask</a:t>
+            </a:r>
+            <a:endParaRPr lang="zh-CN" altLang="en-US" sz="1200" dirty="0"/>
+          </a:p>
+        </p:txBody>
+      </p:sp>
+      <p:sp>
+        <p:nvSpPr>
+          <p:cNvPr id="10" name="矩形 9">
+            <a:extLst>
+              <a:ext uri="{FF2B5EF4-FFF2-40B4-BE49-F238E27FC236}">
+                <a16:creationId xmlns:a16="http://schemas.microsoft.com/office/drawing/2014/main" id="{2AB653B8-3B51-4532-AB08-9C5EDD646ED9}"/>
+              </a:ext>
+            </a:extLst>
+          </p:cNvPr>
+          <p:cNvSpPr/>
+          <p:nvPr/>
+        </p:nvSpPr>
+        <p:spPr>
+          <a:xfrm>
+            <a:off x="2394749" y="3876652"/>
+            <a:ext cx="758986" cy="230292"/>
+          </a:xfrm>
+          <a:prstGeom prst="rect">
+            <a:avLst/>
+          </a:prstGeom>
+        </p:spPr>
+        <p:style>
+          <a:lnRef idx="2">
+            <a:schemeClr val="accent4"/>
+          </a:lnRef>
+          <a:fillRef idx="1">
+            <a:schemeClr val="lt1"/>
+          </a:fillRef>
+          <a:effectRef idx="0">
+            <a:schemeClr val="accent4"/>
+          </a:effectRef>
+          <a:fontRef idx="minor">
+            <a:schemeClr val="dk1"/>
+          </a:fontRef>
+        </p:style>
+        <p:txBody>
+          <a:bodyPr rtlCol="0" anchor="ctr"/>
+          <a:lstStyle/>
+          <a:p>
+            <a:pPr algn="ctr"/>
+            <a:r>
+              <a:rPr lang="en-US" altLang="zh-CN" sz="1200" dirty="0"/>
+              <a:t>mapper</a:t>
+            </a:r>
+            <a:endParaRPr lang="zh-CN" altLang="en-US" sz="1200" dirty="0"/>
+          </a:p>
+        </p:txBody>
+      </p:sp>
+      <p:sp>
+        <p:nvSpPr>
+          <p:cNvPr id="11" name="矩形 10">
+            <a:extLst>
+              <a:ext uri="{FF2B5EF4-FFF2-40B4-BE49-F238E27FC236}">
+                <a16:creationId xmlns:a16="http://schemas.microsoft.com/office/drawing/2014/main" id="{3993D91D-C63C-41B5-8CC0-477F24C6550F}"/>
+              </a:ext>
+            </a:extLst>
+          </p:cNvPr>
+          <p:cNvSpPr/>
+          <p:nvPr/>
+        </p:nvSpPr>
+        <p:spPr>
+          <a:xfrm>
+            <a:off x="2394749" y="4200406"/>
+            <a:ext cx="758986" cy="230292"/>
+          </a:xfrm>
+          <a:prstGeom prst="rect">
+            <a:avLst/>
+          </a:prstGeom>
+        </p:spPr>
+        <p:style>
+          <a:lnRef idx="2">
+            <a:schemeClr val="accent4"/>
+          </a:lnRef>
+          <a:fillRef idx="1">
+            <a:schemeClr val="lt1"/>
+          </a:fillRef>
+          <a:effectRef idx="0">
+            <a:schemeClr val="accent4"/>
+          </a:effectRef>
+          <a:fontRef idx="minor">
+            <a:schemeClr val="dk1"/>
+          </a:fontRef>
+        </p:style>
+        <p:txBody>
+          <a:bodyPr rtlCol="0" anchor="ctr"/>
+          <a:lstStyle/>
+          <a:p>
+            <a:pPr algn="ctr"/>
+            <a:r>
+              <a:rPr lang="en-US" altLang="zh-CN" sz="1200" dirty="0"/>
+              <a:t>mapper</a:t>
+            </a:r>
+            <a:endParaRPr lang="zh-CN" altLang="en-US" sz="1200" dirty="0"/>
+          </a:p>
+        </p:txBody>
+      </p:sp>
+      <p:sp>
+        <p:nvSpPr>
+          <p:cNvPr id="12" name="矩形 11">
+            <a:extLst>
+              <a:ext uri="{FF2B5EF4-FFF2-40B4-BE49-F238E27FC236}">
+                <a16:creationId xmlns:a16="http://schemas.microsoft.com/office/drawing/2014/main" id="{7C17ACD1-88E4-4C09-8BF7-C4E075E2E5BD}"/>
+              </a:ext>
+            </a:extLst>
+          </p:cNvPr>
+          <p:cNvSpPr/>
+          <p:nvPr/>
+        </p:nvSpPr>
+        <p:spPr>
+          <a:xfrm>
+            <a:off x="2394749" y="4530391"/>
+            <a:ext cx="758986" cy="230292"/>
+          </a:xfrm>
+          <a:prstGeom prst="rect">
+            <a:avLst/>
+          </a:prstGeom>
+        </p:spPr>
+        <p:style>
+          <a:lnRef idx="2">
+            <a:schemeClr val="accent4"/>
+          </a:lnRef>
+          <a:fillRef idx="1">
+            <a:schemeClr val="lt1"/>
+          </a:fillRef>
+          <a:effectRef idx="0">
+            <a:schemeClr val="accent4"/>
+          </a:effectRef>
+          <a:fontRef idx="minor">
+            <a:schemeClr val="dk1"/>
+          </a:fontRef>
+        </p:style>
+        <p:txBody>
+          <a:bodyPr rtlCol="0" anchor="ctr"/>
+          <a:lstStyle/>
+          <a:p>
+            <a:pPr algn="ctr"/>
+            <a:r>
+              <a:rPr lang="en-US" altLang="zh-CN" sz="1200" dirty="0"/>
+              <a:t>mapper</a:t>
+            </a:r>
+            <a:endParaRPr lang="zh-CN" altLang="en-US" sz="1200" dirty="0"/>
+          </a:p>
+        </p:txBody>
+      </p:sp>
+      <p:sp>
+        <p:nvSpPr>
+          <p:cNvPr id="13" name="椭圆 12">
+            <a:extLst>
+              <a:ext uri="{FF2B5EF4-FFF2-40B4-BE49-F238E27FC236}">
+                <a16:creationId xmlns:a16="http://schemas.microsoft.com/office/drawing/2014/main" id="{5A94E9D2-CBDE-4FFF-BD0E-3DF8B4409D48}"/>
+              </a:ext>
+            </a:extLst>
+          </p:cNvPr>
+          <p:cNvSpPr/>
+          <p:nvPr/>
+        </p:nvSpPr>
+        <p:spPr>
+          <a:xfrm>
+            <a:off x="4266957" y="4178952"/>
+            <a:ext cx="1584176" cy="329985"/>
+          </a:xfrm>
+          <a:prstGeom prst="ellipse">
+            <a:avLst/>
+          </a:prstGeom>
+        </p:spPr>
+        <p:style>
+          <a:lnRef idx="2">
+            <a:schemeClr val="accent3"/>
+          </a:lnRef>
+          <a:fillRef idx="1">
+            <a:schemeClr val="lt1"/>
+          </a:fillRef>
+          <a:effectRef idx="0">
+            <a:schemeClr val="accent3"/>
+          </a:effectRef>
+          <a:fontRef idx="minor">
+            <a:schemeClr val="dk1"/>
+          </a:fontRef>
+        </p:style>
+        <p:txBody>
+          <a:bodyPr rtlCol="0" anchor="ctr"/>
+          <a:lstStyle/>
+          <a:p>
+            <a:pPr algn="ctr"/>
+            <a:r>
+              <a:rPr lang="en-US" altLang="zh-CN" sz="1200" dirty="0"/>
+              <a:t>Output file1</a:t>
+            </a:r>
+            <a:endParaRPr lang="zh-CN" altLang="en-US" sz="1200" dirty="0"/>
+          </a:p>
+        </p:txBody>
+      </p:sp>
+      <p:sp>
+        <p:nvSpPr>
+          <p:cNvPr id="14" name="椭圆 13">
+            <a:extLst>
+              <a:ext uri="{FF2B5EF4-FFF2-40B4-BE49-F238E27FC236}">
+                <a16:creationId xmlns:a16="http://schemas.microsoft.com/office/drawing/2014/main" id="{CDBF6C31-6D73-4001-B50A-4ED187E25C1E}"/>
+              </a:ext>
+            </a:extLst>
+          </p:cNvPr>
+          <p:cNvSpPr/>
+          <p:nvPr/>
+        </p:nvSpPr>
+        <p:spPr>
+          <a:xfrm>
+            <a:off x="4266957" y="4611000"/>
+            <a:ext cx="1584176" cy="329985"/>
+          </a:xfrm>
+          <a:prstGeom prst="ellipse">
+            <a:avLst/>
+          </a:prstGeom>
+        </p:spPr>
+        <p:style>
+          <a:lnRef idx="2">
+            <a:schemeClr val="accent3"/>
+          </a:lnRef>
+          <a:fillRef idx="1">
+            <a:schemeClr val="lt1"/>
+          </a:fillRef>
+          <a:effectRef idx="0">
+            <a:schemeClr val="accent3"/>
+          </a:effectRef>
+          <a:fontRef idx="minor">
+            <a:schemeClr val="dk1"/>
+          </a:fontRef>
+        </p:style>
+        <p:txBody>
+          <a:bodyPr rtlCol="0" anchor="ctr"/>
+          <a:lstStyle/>
+          <a:p>
+            <a:pPr algn="ctr"/>
+            <a:r>
+              <a:rPr lang="en-US" altLang="zh-CN" sz="1200" dirty="0"/>
+              <a:t>Output file2</a:t>
+            </a:r>
+            <a:endParaRPr lang="zh-CN" altLang="en-US" sz="1200" dirty="0"/>
+          </a:p>
+        </p:txBody>
+      </p:sp>
+      <p:sp>
+        <p:nvSpPr>
+          <p:cNvPr id="15" name="椭圆 14">
+            <a:extLst>
+              <a:ext uri="{FF2B5EF4-FFF2-40B4-BE49-F238E27FC236}">
+                <a16:creationId xmlns:a16="http://schemas.microsoft.com/office/drawing/2014/main" id="{EF9211AC-22DA-4F56-A824-D104F3E5D072}"/>
+              </a:ext>
+            </a:extLst>
+          </p:cNvPr>
+          <p:cNvSpPr/>
+          <p:nvPr/>
+        </p:nvSpPr>
+        <p:spPr>
+          <a:xfrm>
+            <a:off x="4262806" y="5043048"/>
+            <a:ext cx="1584176" cy="329985"/>
+          </a:xfrm>
+          <a:prstGeom prst="ellipse">
+            <a:avLst/>
+          </a:prstGeom>
+        </p:spPr>
+        <p:style>
+          <a:lnRef idx="2">
+            <a:schemeClr val="accent3"/>
+          </a:lnRef>
+          <a:fillRef idx="1">
+            <a:schemeClr val="lt1"/>
+          </a:fillRef>
+          <a:effectRef idx="0">
+            <a:schemeClr val="accent3"/>
+          </a:effectRef>
+          <a:fontRef idx="minor">
+            <a:schemeClr val="dk1"/>
+          </a:fontRef>
+        </p:style>
+        <p:txBody>
+          <a:bodyPr rtlCol="0" anchor="ctr"/>
+          <a:lstStyle/>
+          <a:p>
+            <a:pPr algn="ctr"/>
+            <a:r>
+              <a:rPr lang="en-US" altLang="zh-CN" sz="1200" dirty="0"/>
+              <a:t>Output file3</a:t>
+            </a:r>
+            <a:endParaRPr lang="zh-CN" altLang="en-US" sz="1200" dirty="0"/>
+          </a:p>
+        </p:txBody>
+      </p:sp>
+      <p:cxnSp>
+        <p:nvCxnSpPr>
+          <p:cNvPr id="16" name="直接箭头连接符 15">
+            <a:extLst>
+              <a:ext uri="{FF2B5EF4-FFF2-40B4-BE49-F238E27FC236}">
+                <a16:creationId xmlns:a16="http://schemas.microsoft.com/office/drawing/2014/main" id="{7C561B6C-9013-4396-B806-BC0BA70C7B8A}"/>
+              </a:ext>
+            </a:extLst>
+          </p:cNvPr>
+          <p:cNvCxnSpPr>
+            <a:stCxn id="3" idx="2"/>
+            <a:endCxn id="4" idx="0"/>
+          </p:cNvCxnSpPr>
+          <p:nvPr/>
+        </p:nvCxnSpPr>
+        <p:spPr>
+          <a:xfrm>
+            <a:off x="2683204" y="2018712"/>
+            <a:ext cx="0" cy="378471"/>
+          </a:xfrm>
+          <a:prstGeom prst="straightConnector1">
+            <a:avLst/>
+          </a:prstGeom>
+          <a:ln>
+            <a:tailEnd type="triangle"/>
+          </a:ln>
+        </p:spPr>
+        <p:style>
+          <a:lnRef idx="1">
+            <a:schemeClr val="accent1"/>
+          </a:lnRef>
+          <a:fillRef idx="0">
+            <a:schemeClr val="accent1"/>
+          </a:fillRef>
+          <a:effectRef idx="0">
+            <a:schemeClr val="accent1"/>
+          </a:effectRef>
+          <a:fontRef idx="minor">
+            <a:schemeClr val="tx1"/>
+          </a:fontRef>
+        </p:style>
+      </p:cxnSp>
+      <p:cxnSp>
+        <p:nvCxnSpPr>
+          <p:cNvPr id="17" name="直接箭头连接符 16">
+            <a:extLst>
+              <a:ext uri="{FF2B5EF4-FFF2-40B4-BE49-F238E27FC236}">
+                <a16:creationId xmlns:a16="http://schemas.microsoft.com/office/drawing/2014/main" id="{F5ACC004-C7DA-46E7-880C-90F7C9225A9F}"/>
+              </a:ext>
+            </a:extLst>
+          </p:cNvPr>
+          <p:cNvCxnSpPr>
+            <a:stCxn id="5" idx="2"/>
+            <a:endCxn id="4" idx="0"/>
+          </p:cNvCxnSpPr>
+          <p:nvPr/>
+        </p:nvCxnSpPr>
+        <p:spPr>
+          <a:xfrm flipH="1">
+            <a:off x="2683204" y="2018712"/>
+            <a:ext cx="2128635" cy="378471"/>
+          </a:xfrm>
+          <a:prstGeom prst="straightConnector1">
+            <a:avLst/>
+          </a:prstGeom>
+          <a:ln>
+            <a:tailEnd type="triangle"/>
+          </a:ln>
+        </p:spPr>
+        <p:style>
+          <a:lnRef idx="1">
+            <a:schemeClr val="accent1"/>
+          </a:lnRef>
+          <a:fillRef idx="0">
+            <a:schemeClr val="accent1"/>
+          </a:fillRef>
+          <a:effectRef idx="0">
+            <a:schemeClr val="accent1"/>
+          </a:effectRef>
+          <a:fontRef idx="minor">
+            <a:schemeClr val="tx1"/>
+          </a:fontRef>
+        </p:style>
+      </p:cxnSp>
+      <p:cxnSp>
+        <p:nvCxnSpPr>
+          <p:cNvPr id="18" name="直接箭头连接符 17">
+            <a:extLst>
+              <a:ext uri="{FF2B5EF4-FFF2-40B4-BE49-F238E27FC236}">
+                <a16:creationId xmlns:a16="http://schemas.microsoft.com/office/drawing/2014/main" id="{7252A673-0227-415D-8C59-2B7281533031}"/>
+              </a:ext>
+            </a:extLst>
+          </p:cNvPr>
+          <p:cNvCxnSpPr>
+            <a:stCxn id="4" idx="3"/>
+            <a:endCxn id="6" idx="1"/>
+          </p:cNvCxnSpPr>
+          <p:nvPr/>
+        </p:nvCxnSpPr>
+        <p:spPr>
+          <a:xfrm>
+            <a:off x="3258845" y="2531984"/>
+            <a:ext cx="976929" cy="0"/>
+          </a:xfrm>
+          <a:prstGeom prst="straightConnector1">
+            <a:avLst/>
+          </a:prstGeom>
+          <a:ln>
+            <a:tailEnd type="triangle"/>
+          </a:ln>
+        </p:spPr>
+        <p:style>
+          <a:lnRef idx="1">
+            <a:schemeClr val="accent1"/>
+          </a:lnRef>
+          <a:fillRef idx="0">
+            <a:schemeClr val="accent1"/>
+          </a:fillRef>
+          <a:effectRef idx="0">
+            <a:schemeClr val="accent1"/>
+          </a:effectRef>
+          <a:fontRef idx="minor">
+            <a:schemeClr val="tx1"/>
+          </a:fontRef>
+        </p:style>
+      </p:cxnSp>
+      <p:cxnSp>
+        <p:nvCxnSpPr>
+          <p:cNvPr id="19" name="直接箭头连接符 18">
+            <a:extLst>
+              <a:ext uri="{FF2B5EF4-FFF2-40B4-BE49-F238E27FC236}">
+                <a16:creationId xmlns:a16="http://schemas.microsoft.com/office/drawing/2014/main" id="{4BB82EC5-4D64-419F-B6FA-32474C3F5814}"/>
+              </a:ext>
+            </a:extLst>
+          </p:cNvPr>
+          <p:cNvCxnSpPr>
+            <a:stCxn id="6" idx="3"/>
+            <a:endCxn id="7" idx="0"/>
+          </p:cNvCxnSpPr>
+          <p:nvPr/>
+        </p:nvCxnSpPr>
+        <p:spPr>
+          <a:xfrm>
+            <a:off x="5387902" y="2531984"/>
+            <a:ext cx="427227" cy="566848"/>
+          </a:xfrm>
+          <a:prstGeom prst="straightConnector1">
+            <a:avLst/>
+          </a:prstGeom>
+          <a:ln>
+            <a:tailEnd type="triangle"/>
+          </a:ln>
+        </p:spPr>
+        <p:style>
+          <a:lnRef idx="1">
+            <a:schemeClr val="accent1"/>
+          </a:lnRef>
+          <a:fillRef idx="0">
+            <a:schemeClr val="accent1"/>
+          </a:fillRef>
+          <a:effectRef idx="0">
+            <a:schemeClr val="accent1"/>
+          </a:effectRef>
+          <a:fontRef idx="minor">
+            <a:schemeClr val="tx1"/>
+          </a:fontRef>
+        </p:style>
+      </p:cxnSp>
+      <p:cxnSp>
+        <p:nvCxnSpPr>
+          <p:cNvPr id="20" name="直接箭头连接符 19">
+            <a:extLst>
+              <a:ext uri="{FF2B5EF4-FFF2-40B4-BE49-F238E27FC236}">
+                <a16:creationId xmlns:a16="http://schemas.microsoft.com/office/drawing/2014/main" id="{0CA4542C-4E0D-407A-8624-01C5CA37CE9E}"/>
+              </a:ext>
+            </a:extLst>
+          </p:cNvPr>
+          <p:cNvCxnSpPr>
+            <a:stCxn id="7" idx="1"/>
+            <a:endCxn id="10" idx="3"/>
+          </p:cNvCxnSpPr>
+          <p:nvPr/>
+        </p:nvCxnSpPr>
+        <p:spPr>
+          <a:xfrm flipH="1">
+            <a:off x="3153735" y="3242848"/>
+            <a:ext cx="2049326" cy="748950"/>
+          </a:xfrm>
+          <a:prstGeom prst="straightConnector1">
+            <a:avLst/>
+          </a:prstGeom>
+          <a:ln>
+            <a:tailEnd type="triangle"/>
+          </a:ln>
+        </p:spPr>
+        <p:style>
+          <a:lnRef idx="1">
+            <a:schemeClr val="accent1"/>
+          </a:lnRef>
+          <a:fillRef idx="0">
+            <a:schemeClr val="accent1"/>
+          </a:fillRef>
+          <a:effectRef idx="0">
+            <a:schemeClr val="accent1"/>
+          </a:effectRef>
+          <a:fontRef idx="minor">
+            <a:schemeClr val="tx1"/>
+          </a:fontRef>
+        </p:style>
+      </p:cxnSp>
+      <p:cxnSp>
+        <p:nvCxnSpPr>
+          <p:cNvPr id="21" name="直接箭头连接符 20">
+            <a:extLst>
+              <a:ext uri="{FF2B5EF4-FFF2-40B4-BE49-F238E27FC236}">
+                <a16:creationId xmlns:a16="http://schemas.microsoft.com/office/drawing/2014/main" id="{996477F5-6937-435B-A6C9-91A78A7A08EB}"/>
+              </a:ext>
+            </a:extLst>
+          </p:cNvPr>
+          <p:cNvCxnSpPr>
+            <a:stCxn id="7" idx="1"/>
+            <a:endCxn id="11" idx="3"/>
+          </p:cNvCxnSpPr>
+          <p:nvPr/>
+        </p:nvCxnSpPr>
+        <p:spPr>
+          <a:xfrm flipH="1">
+            <a:off x="3153735" y="3242848"/>
+            <a:ext cx="2049326" cy="1072704"/>
+          </a:xfrm>
+          <a:prstGeom prst="straightConnector1">
+            <a:avLst/>
+          </a:prstGeom>
+          <a:ln>
+            <a:tailEnd type="triangle"/>
+          </a:ln>
+        </p:spPr>
+        <p:style>
+          <a:lnRef idx="1">
+            <a:schemeClr val="accent1"/>
+          </a:lnRef>
+          <a:fillRef idx="0">
+            <a:schemeClr val="accent1"/>
+          </a:fillRef>
+          <a:effectRef idx="0">
+            <a:schemeClr val="accent1"/>
+          </a:effectRef>
+          <a:fontRef idx="minor">
+            <a:schemeClr val="tx1"/>
+          </a:fontRef>
+        </p:style>
+      </p:cxnSp>
+      <p:cxnSp>
+        <p:nvCxnSpPr>
+          <p:cNvPr id="22" name="直接箭头连接符 21">
+            <a:extLst>
+              <a:ext uri="{FF2B5EF4-FFF2-40B4-BE49-F238E27FC236}">
+                <a16:creationId xmlns:a16="http://schemas.microsoft.com/office/drawing/2014/main" id="{32B68EB9-FF57-4557-940A-A0F5941FED0E}"/>
+              </a:ext>
+            </a:extLst>
+          </p:cNvPr>
+          <p:cNvCxnSpPr>
+            <a:stCxn id="7" idx="1"/>
+            <a:endCxn id="12" idx="3"/>
+          </p:cNvCxnSpPr>
+          <p:nvPr/>
+        </p:nvCxnSpPr>
+        <p:spPr>
+          <a:xfrm flipH="1">
+            <a:off x="3153735" y="3242848"/>
+            <a:ext cx="2049326" cy="1402689"/>
+          </a:xfrm>
+          <a:prstGeom prst="straightConnector1">
+            <a:avLst/>
+          </a:prstGeom>
+          <a:ln>
+            <a:tailEnd type="triangle"/>
+          </a:ln>
+        </p:spPr>
+        <p:style>
+          <a:lnRef idx="1">
+            <a:schemeClr val="accent1"/>
+          </a:lnRef>
+          <a:fillRef idx="0">
+            <a:schemeClr val="accent1"/>
+          </a:fillRef>
+          <a:effectRef idx="0">
+            <a:schemeClr val="accent1"/>
+          </a:effectRef>
+          <a:fontRef idx="minor">
+            <a:schemeClr val="tx1"/>
+          </a:fontRef>
+        </p:style>
+      </p:cxnSp>
+      <p:cxnSp>
+        <p:nvCxnSpPr>
+          <p:cNvPr id="23" name="直接箭头连接符 22">
+            <a:extLst>
+              <a:ext uri="{FF2B5EF4-FFF2-40B4-BE49-F238E27FC236}">
+                <a16:creationId xmlns:a16="http://schemas.microsoft.com/office/drawing/2014/main" id="{6A716E67-BF7F-4EE5-9340-0E303F50D273}"/>
+              </a:ext>
+            </a:extLst>
+          </p:cNvPr>
+          <p:cNvCxnSpPr>
+            <a:endCxn id="13" idx="2"/>
+          </p:cNvCxnSpPr>
+          <p:nvPr/>
+        </p:nvCxnSpPr>
+        <p:spPr>
+          <a:xfrm>
+            <a:off x="3153735" y="3970345"/>
+            <a:ext cx="1113222" cy="373600"/>
+          </a:xfrm>
+          <a:prstGeom prst="straightConnector1">
+            <a:avLst/>
+          </a:prstGeom>
+          <a:ln>
+            <a:tailEnd type="triangle"/>
+          </a:ln>
+        </p:spPr>
+        <p:style>
+          <a:lnRef idx="1">
+            <a:schemeClr val="accent1"/>
+          </a:lnRef>
+          <a:fillRef idx="0">
+            <a:schemeClr val="accent1"/>
+          </a:fillRef>
+          <a:effectRef idx="0">
+            <a:schemeClr val="accent1"/>
+          </a:effectRef>
+          <a:fontRef idx="minor">
+            <a:schemeClr val="tx1"/>
+          </a:fontRef>
+        </p:style>
+      </p:cxnSp>
+      <p:cxnSp>
+        <p:nvCxnSpPr>
+          <p:cNvPr id="24" name="直接箭头连接符 23">
+            <a:extLst>
+              <a:ext uri="{FF2B5EF4-FFF2-40B4-BE49-F238E27FC236}">
+                <a16:creationId xmlns:a16="http://schemas.microsoft.com/office/drawing/2014/main" id="{36C896EF-CE30-44B7-83A0-5C608E5AC465}"/>
+              </a:ext>
+            </a:extLst>
+          </p:cNvPr>
+          <p:cNvCxnSpPr>
+            <a:endCxn id="14" idx="2"/>
+          </p:cNvCxnSpPr>
+          <p:nvPr/>
+        </p:nvCxnSpPr>
+        <p:spPr>
+          <a:xfrm>
+            <a:off x="3153735" y="4321783"/>
+            <a:ext cx="1113222" cy="454210"/>
+          </a:xfrm>
+          <a:prstGeom prst="straightConnector1">
+            <a:avLst/>
+          </a:prstGeom>
+          <a:ln>
+            <a:tailEnd type="triangle"/>
+          </a:ln>
+        </p:spPr>
+        <p:style>
+          <a:lnRef idx="1">
+            <a:schemeClr val="accent1"/>
+          </a:lnRef>
+          <a:fillRef idx="0">
+            <a:schemeClr val="accent1"/>
+          </a:fillRef>
+          <a:effectRef idx="0">
+            <a:schemeClr val="accent1"/>
+          </a:effectRef>
+          <a:fontRef idx="minor">
+            <a:schemeClr val="tx1"/>
+          </a:fontRef>
+        </p:style>
+      </p:cxnSp>
+      <p:cxnSp>
+        <p:nvCxnSpPr>
+          <p:cNvPr id="25" name="直接箭头连接符 24">
+            <a:extLst>
+              <a:ext uri="{FF2B5EF4-FFF2-40B4-BE49-F238E27FC236}">
+                <a16:creationId xmlns:a16="http://schemas.microsoft.com/office/drawing/2014/main" id="{73AC6C6C-2CD1-4AC4-9AA1-1E08C90C9937}"/>
+              </a:ext>
+            </a:extLst>
+          </p:cNvPr>
+          <p:cNvCxnSpPr>
+            <a:stCxn id="12" idx="3"/>
+            <a:endCxn id="15" idx="2"/>
+          </p:cNvCxnSpPr>
+          <p:nvPr/>
+        </p:nvCxnSpPr>
+        <p:spPr>
+          <a:xfrm>
+            <a:off x="3153735" y="4645537"/>
+            <a:ext cx="1109071" cy="562504"/>
+          </a:xfrm>
+          <a:prstGeom prst="straightConnector1">
+            <a:avLst/>
+          </a:prstGeom>
+          <a:ln>
+            <a:tailEnd type="triangle"/>
+          </a:ln>
+        </p:spPr>
+        <p:style>
+          <a:lnRef idx="1">
+            <a:schemeClr val="accent1"/>
+          </a:lnRef>
+          <a:fillRef idx="0">
+            <a:schemeClr val="accent1"/>
+          </a:fillRef>
+          <a:effectRef idx="0">
+            <a:schemeClr val="accent1"/>
+          </a:effectRef>
+          <a:fontRef idx="minor">
+            <a:schemeClr val="tx1"/>
+          </a:fontRef>
+        </p:style>
+      </p:cxnSp>
+      <p:cxnSp>
+        <p:nvCxnSpPr>
+          <p:cNvPr id="26" name="直接箭头连接符 25">
+            <a:extLst>
+              <a:ext uri="{FF2B5EF4-FFF2-40B4-BE49-F238E27FC236}">
+                <a16:creationId xmlns:a16="http://schemas.microsoft.com/office/drawing/2014/main" id="{59A1C975-C0BF-4DE9-A481-5368700EAC69}"/>
+              </a:ext>
+            </a:extLst>
+          </p:cNvPr>
+          <p:cNvCxnSpPr>
+            <a:stCxn id="4" idx="2"/>
+            <a:endCxn id="8" idx="0"/>
+          </p:cNvCxnSpPr>
+          <p:nvPr/>
+        </p:nvCxnSpPr>
+        <p:spPr>
+          <a:xfrm flipH="1">
+            <a:off x="2682781" y="2666785"/>
+            <a:ext cx="423" cy="587483"/>
+          </a:xfrm>
+          <a:prstGeom prst="straightConnector1">
+            <a:avLst/>
+          </a:prstGeom>
+          <a:ln>
+            <a:tailEnd type="triangle"/>
+          </a:ln>
+        </p:spPr>
+        <p:style>
+          <a:lnRef idx="1">
+            <a:schemeClr val="accent1"/>
+          </a:lnRef>
+          <a:fillRef idx="0">
+            <a:schemeClr val="accent1"/>
+          </a:fillRef>
+          <a:effectRef idx="0">
+            <a:schemeClr val="accent1"/>
+          </a:effectRef>
+          <a:fontRef idx="minor">
+            <a:schemeClr val="tx1"/>
+          </a:fontRef>
+        </p:style>
+      </p:cxnSp>
+      <p:sp>
+        <p:nvSpPr>
+          <p:cNvPr id="27" name="矩形 26">
+            <a:extLst>
+              <a:ext uri="{FF2B5EF4-FFF2-40B4-BE49-F238E27FC236}">
+                <a16:creationId xmlns:a16="http://schemas.microsoft.com/office/drawing/2014/main" id="{01D6EFBF-E370-43DC-BAD6-B4BDFCBABD60}"/>
+              </a:ext>
+            </a:extLst>
+          </p:cNvPr>
+          <p:cNvSpPr/>
+          <p:nvPr/>
+        </p:nvSpPr>
+        <p:spPr>
+          <a:xfrm>
+            <a:off x="6463201" y="1497643"/>
+            <a:ext cx="3368784" cy="1477328"/>
+          </a:xfrm>
+          <a:prstGeom prst="rect">
+            <a:avLst/>
+          </a:prstGeom>
+        </p:spPr>
+        <p:txBody>
+          <a:bodyPr wrap="square">
+            <a:spAutoFit/>
+          </a:bodyPr>
+          <a:lstStyle/>
+          <a:p>
+            <a:pPr indent="266700" algn="just">
+              <a:lnSpc>
+                <a:spcPct val="150000"/>
+              </a:lnSpc>
+              <a:spcAft>
+                <a:spcPts val="0"/>
+              </a:spcAft>
+            </a:pPr>
+            <a:r>
+              <a:rPr lang="en-US" altLang="zh-CN" sz="1200" kern="100" dirty="0">
+                <a:latin typeface="Times New Roman" panose="02020603050405020304" pitchFamily="18" charset="0"/>
+              </a:rPr>
+              <a:t>1</a:t>
+            </a:r>
+            <a:r>
+              <a:rPr lang="zh-CN" altLang="en-US" sz="1200" kern="100" dirty="0">
+                <a:latin typeface="Times New Roman" panose="02020603050405020304" pitchFamily="18" charset="0"/>
+              </a:rPr>
+              <a:t>）</a:t>
+            </a:r>
+            <a:r>
+              <a:rPr lang="en-US" altLang="zh-CN" sz="1200" kern="100" dirty="0">
+                <a:latin typeface="Times New Roman" panose="02020603050405020304" pitchFamily="18" charset="0"/>
+              </a:rPr>
+              <a:t>Task A</a:t>
+            </a:r>
+            <a:r>
+              <a:rPr lang="zh-CN" altLang="zh-CN" sz="1200" kern="100" dirty="0">
+                <a:latin typeface="Times New Roman" panose="02020603050405020304" pitchFamily="18" charset="0"/>
+              </a:rPr>
+              <a:t>，它是一个</a:t>
+            </a:r>
+            <a:r>
+              <a:rPr lang="en-US" altLang="zh-CN" sz="1200" kern="100" dirty="0">
+                <a:latin typeface="Times New Roman" panose="02020603050405020304" pitchFamily="18" charset="0"/>
+              </a:rPr>
+              <a:t>Local Task</a:t>
+            </a:r>
+            <a:r>
+              <a:rPr lang="zh-CN" altLang="zh-CN" sz="1200" kern="100" dirty="0">
+                <a:latin typeface="Times New Roman" panose="02020603050405020304" pitchFamily="18" charset="0"/>
+              </a:rPr>
+              <a:t>（在客户端本地执行的</a:t>
+            </a:r>
+            <a:r>
+              <a:rPr lang="en-US" altLang="zh-CN" sz="1200" kern="100" dirty="0">
+                <a:latin typeface="Times New Roman" panose="02020603050405020304" pitchFamily="18" charset="0"/>
+              </a:rPr>
+              <a:t>Task</a:t>
+            </a:r>
+            <a:r>
+              <a:rPr lang="zh-CN" altLang="zh-CN" sz="1200" kern="100" dirty="0">
+                <a:latin typeface="Times New Roman" panose="02020603050405020304" pitchFamily="18" charset="0"/>
+              </a:rPr>
+              <a:t>），负责扫描小表</a:t>
+            </a:r>
+            <a:r>
+              <a:rPr lang="en-US" altLang="zh-CN" sz="1200" kern="100" dirty="0">
+                <a:latin typeface="Times New Roman" panose="02020603050405020304" pitchFamily="18" charset="0"/>
+              </a:rPr>
+              <a:t>b</a:t>
+            </a:r>
+            <a:r>
+              <a:rPr lang="zh-CN" altLang="zh-CN" sz="1200" kern="100" dirty="0">
+                <a:latin typeface="Times New Roman" panose="02020603050405020304" pitchFamily="18" charset="0"/>
+              </a:rPr>
+              <a:t>的数据，将其转换成一个</a:t>
+            </a:r>
+            <a:r>
+              <a:rPr lang="en-US" altLang="zh-CN" sz="1200" kern="100" dirty="0" err="1">
+                <a:latin typeface="Times New Roman" panose="02020603050405020304" pitchFamily="18" charset="0"/>
+              </a:rPr>
+              <a:t>HashTable</a:t>
+            </a:r>
+            <a:r>
+              <a:rPr lang="zh-CN" altLang="zh-CN" sz="1200" kern="100" dirty="0">
+                <a:latin typeface="Times New Roman" panose="02020603050405020304" pitchFamily="18" charset="0"/>
+              </a:rPr>
+              <a:t>的数据结构，并写入本地的文件中，之后将该文件加载到</a:t>
+            </a:r>
+            <a:r>
+              <a:rPr lang="en-US" altLang="zh-CN" sz="1200" kern="100" dirty="0" err="1">
+                <a:latin typeface="Times New Roman" panose="02020603050405020304" pitchFamily="18" charset="0"/>
+              </a:rPr>
+              <a:t>DistributeCache</a:t>
+            </a:r>
+            <a:r>
+              <a:rPr lang="zh-CN" altLang="zh-CN" sz="1200" kern="100" dirty="0">
+                <a:latin typeface="Times New Roman" panose="02020603050405020304" pitchFamily="18" charset="0"/>
+              </a:rPr>
+              <a:t>中。</a:t>
+            </a:r>
+          </a:p>
+        </p:txBody>
+      </p:sp>
+      <p:sp>
+        <p:nvSpPr>
+          <p:cNvPr id="28" name="矩形 27">
+            <a:extLst>
+              <a:ext uri="{FF2B5EF4-FFF2-40B4-BE49-F238E27FC236}">
+                <a16:creationId xmlns:a16="http://schemas.microsoft.com/office/drawing/2014/main" id="{45A2ABB2-C24F-4AB1-BFDE-5C716622799B}"/>
+              </a:ext>
+            </a:extLst>
+          </p:cNvPr>
+          <p:cNvSpPr/>
+          <p:nvPr/>
+        </p:nvSpPr>
+        <p:spPr>
+          <a:xfrm>
+            <a:off x="6504893" y="3091266"/>
+            <a:ext cx="3368784" cy="1200329"/>
+          </a:xfrm>
+          <a:prstGeom prst="rect">
+            <a:avLst/>
+          </a:prstGeom>
+        </p:spPr>
+        <p:txBody>
+          <a:bodyPr wrap="square">
+            <a:spAutoFit/>
+          </a:bodyPr>
+          <a:lstStyle/>
+          <a:p>
+            <a:pPr indent="266700" algn="just">
+              <a:lnSpc>
+                <a:spcPct val="150000"/>
+              </a:lnSpc>
+              <a:spcAft>
+                <a:spcPts val="0"/>
+              </a:spcAft>
+            </a:pPr>
+            <a:r>
+              <a:rPr lang="en-US" altLang="zh-CN" sz="1200" kern="100" dirty="0">
+                <a:latin typeface="Times New Roman" panose="02020603050405020304" pitchFamily="18" charset="0"/>
+              </a:rPr>
+              <a:t>2</a:t>
+            </a:r>
+            <a:r>
+              <a:rPr lang="zh-CN" altLang="en-US" sz="1200" kern="100" dirty="0">
+                <a:latin typeface="Times New Roman" panose="02020603050405020304" pitchFamily="18" charset="0"/>
+              </a:rPr>
+              <a:t>）</a:t>
+            </a:r>
+            <a:r>
+              <a:rPr lang="en-US" altLang="zh-CN" sz="1200" kern="100" dirty="0">
+                <a:latin typeface="Times New Roman" panose="02020603050405020304" pitchFamily="18" charset="0"/>
+              </a:rPr>
+              <a:t>Task B</a:t>
+            </a:r>
+            <a:r>
+              <a:rPr lang="zh-CN" altLang="zh-CN" sz="1200" kern="100" dirty="0">
+                <a:latin typeface="Times New Roman" panose="02020603050405020304" pitchFamily="18" charset="0"/>
+              </a:rPr>
+              <a:t>，该任务是一个没有</a:t>
+            </a:r>
+            <a:r>
+              <a:rPr lang="en-US" altLang="zh-CN" sz="1200" kern="100" dirty="0">
+                <a:latin typeface="Times New Roman" panose="02020603050405020304" pitchFamily="18" charset="0"/>
+              </a:rPr>
+              <a:t>Reduce</a:t>
+            </a:r>
+            <a:r>
+              <a:rPr lang="zh-CN" altLang="zh-CN" sz="1200" kern="100" dirty="0">
+                <a:latin typeface="Times New Roman" panose="02020603050405020304" pitchFamily="18" charset="0"/>
+              </a:rPr>
+              <a:t>的</a:t>
+            </a:r>
+            <a:r>
+              <a:rPr lang="en-US" altLang="zh-CN" sz="1200" kern="100" dirty="0">
+                <a:latin typeface="Times New Roman" panose="02020603050405020304" pitchFamily="18" charset="0"/>
+              </a:rPr>
+              <a:t>MR</a:t>
+            </a:r>
+            <a:r>
+              <a:rPr lang="zh-CN" altLang="zh-CN" sz="1200" kern="100" dirty="0">
+                <a:latin typeface="Times New Roman" panose="02020603050405020304" pitchFamily="18" charset="0"/>
+              </a:rPr>
+              <a:t>，启动</a:t>
+            </a:r>
+            <a:r>
+              <a:rPr lang="en-US" altLang="zh-CN" sz="1200" kern="100" dirty="0" err="1">
+                <a:latin typeface="Times New Roman" panose="02020603050405020304" pitchFamily="18" charset="0"/>
+              </a:rPr>
+              <a:t>MapTasks</a:t>
+            </a:r>
+            <a:r>
+              <a:rPr lang="zh-CN" altLang="zh-CN" sz="1200" kern="100" dirty="0">
+                <a:latin typeface="Times New Roman" panose="02020603050405020304" pitchFamily="18" charset="0"/>
+              </a:rPr>
+              <a:t>扫描大表</a:t>
+            </a:r>
+            <a:r>
+              <a:rPr lang="en-US" altLang="zh-CN" sz="1200" kern="100" dirty="0">
+                <a:latin typeface="Times New Roman" panose="02020603050405020304" pitchFamily="18" charset="0"/>
+              </a:rPr>
+              <a:t>a</a:t>
+            </a:r>
+            <a:r>
+              <a:rPr lang="zh-CN" altLang="en-US" sz="1200" kern="100" dirty="0">
+                <a:latin typeface="Times New Roman" panose="02020603050405020304" pitchFamily="18" charset="0"/>
+              </a:rPr>
+              <a:t>，</a:t>
+            </a:r>
+            <a:r>
+              <a:rPr lang="zh-CN" altLang="zh-CN" sz="1200" kern="100" dirty="0">
+                <a:latin typeface="Times New Roman" panose="02020603050405020304" pitchFamily="18" charset="0"/>
+              </a:rPr>
+              <a:t>在</a:t>
+            </a:r>
+            <a:r>
+              <a:rPr lang="en-US" altLang="zh-CN" sz="1200" kern="100" dirty="0">
+                <a:latin typeface="Times New Roman" panose="02020603050405020304" pitchFamily="18" charset="0"/>
+              </a:rPr>
+              <a:t>Map</a:t>
+            </a:r>
+            <a:r>
+              <a:rPr lang="zh-CN" altLang="zh-CN" sz="1200" kern="100" dirty="0">
+                <a:latin typeface="Times New Roman" panose="02020603050405020304" pitchFamily="18" charset="0"/>
+              </a:rPr>
+              <a:t>阶段，根据</a:t>
+            </a:r>
+            <a:r>
+              <a:rPr lang="en-US" altLang="zh-CN" sz="1200" kern="100" dirty="0">
+                <a:latin typeface="Times New Roman" panose="02020603050405020304" pitchFamily="18" charset="0"/>
+              </a:rPr>
+              <a:t>a</a:t>
+            </a:r>
+            <a:r>
+              <a:rPr lang="zh-CN" altLang="zh-CN" sz="1200" kern="100" dirty="0">
+                <a:latin typeface="Times New Roman" panose="02020603050405020304" pitchFamily="18" charset="0"/>
+              </a:rPr>
+              <a:t>的每一条记录去和</a:t>
+            </a:r>
+            <a:r>
+              <a:rPr lang="en-US" altLang="zh-CN" sz="1200" kern="100" dirty="0" err="1">
+                <a:latin typeface="Times New Roman" panose="02020603050405020304" pitchFamily="18" charset="0"/>
+              </a:rPr>
+              <a:t>DistributeCache</a:t>
+            </a:r>
+            <a:r>
+              <a:rPr lang="zh-CN" altLang="zh-CN" sz="1200" kern="100" dirty="0">
+                <a:latin typeface="Times New Roman" panose="02020603050405020304" pitchFamily="18" charset="0"/>
+              </a:rPr>
+              <a:t>中</a:t>
+            </a:r>
+            <a:r>
+              <a:rPr lang="en-US" altLang="zh-CN" sz="1200" kern="100" dirty="0">
+                <a:latin typeface="Times New Roman" panose="02020603050405020304" pitchFamily="18" charset="0"/>
+              </a:rPr>
+              <a:t>b</a:t>
+            </a:r>
+            <a:r>
+              <a:rPr lang="zh-CN" altLang="zh-CN" sz="1200" kern="100" dirty="0">
+                <a:latin typeface="Times New Roman" panose="02020603050405020304" pitchFamily="18" charset="0"/>
+              </a:rPr>
+              <a:t>表对应的</a:t>
+            </a:r>
+            <a:r>
+              <a:rPr lang="en-US" altLang="zh-CN" sz="1200" kern="100" dirty="0" err="1">
+                <a:latin typeface="Times New Roman" panose="02020603050405020304" pitchFamily="18" charset="0"/>
+              </a:rPr>
+              <a:t>HashTable</a:t>
+            </a:r>
+            <a:r>
+              <a:rPr lang="zh-CN" altLang="zh-CN" sz="1200" kern="100" dirty="0">
+                <a:latin typeface="Times New Roman" panose="02020603050405020304" pitchFamily="18" charset="0"/>
+              </a:rPr>
+              <a:t>关联，并直接输出结果。</a:t>
+            </a:r>
+          </a:p>
+        </p:txBody>
+      </p:sp>
+      <p:sp>
+        <p:nvSpPr>
+          <p:cNvPr id="29" name="矩形 28">
+            <a:extLst>
+              <a:ext uri="{FF2B5EF4-FFF2-40B4-BE49-F238E27FC236}">
+                <a16:creationId xmlns:a16="http://schemas.microsoft.com/office/drawing/2014/main" id="{E4810C16-6202-465B-AEFF-AA07767A2854}"/>
+              </a:ext>
+            </a:extLst>
+          </p:cNvPr>
+          <p:cNvSpPr/>
+          <p:nvPr/>
+        </p:nvSpPr>
+        <p:spPr>
+          <a:xfrm>
+            <a:off x="6504893" y="4547688"/>
+            <a:ext cx="3368784" cy="923330"/>
+          </a:xfrm>
+          <a:prstGeom prst="rect">
+            <a:avLst/>
+          </a:prstGeom>
+        </p:spPr>
+        <p:txBody>
+          <a:bodyPr wrap="square">
+            <a:spAutoFit/>
+          </a:bodyPr>
+          <a:lstStyle/>
+          <a:p>
+            <a:pPr indent="266700" algn="just">
+              <a:lnSpc>
+                <a:spcPct val="150000"/>
+              </a:lnSpc>
+              <a:spcAft>
+                <a:spcPts val="0"/>
+              </a:spcAft>
+            </a:pPr>
+            <a:r>
+              <a:rPr lang="en-US" altLang="zh-CN" sz="1200" kern="100" dirty="0">
+                <a:latin typeface="Times New Roman" panose="02020603050405020304" pitchFamily="18" charset="0"/>
+              </a:rPr>
+              <a:t>3</a:t>
+            </a:r>
+            <a:r>
+              <a:rPr lang="zh-CN" altLang="en-US" sz="1200" kern="100" dirty="0">
+                <a:latin typeface="Times New Roman" panose="02020603050405020304" pitchFamily="18" charset="0"/>
+              </a:rPr>
+              <a:t>）</a:t>
+            </a:r>
+            <a:r>
+              <a:rPr lang="zh-CN" altLang="zh-CN" sz="1200" kern="100" dirty="0">
+                <a:latin typeface="Times New Roman" panose="02020603050405020304" pitchFamily="18" charset="0"/>
+              </a:rPr>
+              <a:t>由于</a:t>
+            </a:r>
+            <a:r>
+              <a:rPr lang="en-US" altLang="zh-CN" sz="1200" kern="100" dirty="0" err="1">
+                <a:latin typeface="Times New Roman" panose="02020603050405020304" pitchFamily="18" charset="0"/>
+              </a:rPr>
+              <a:t>MapJoin</a:t>
+            </a:r>
+            <a:r>
+              <a:rPr lang="zh-CN" altLang="zh-CN" sz="1200" kern="100" dirty="0">
+                <a:latin typeface="Times New Roman" panose="02020603050405020304" pitchFamily="18" charset="0"/>
+              </a:rPr>
+              <a:t>没有</a:t>
+            </a:r>
+            <a:r>
+              <a:rPr lang="en-US" altLang="zh-CN" sz="1200" kern="100" dirty="0">
+                <a:latin typeface="Times New Roman" panose="02020603050405020304" pitchFamily="18" charset="0"/>
+              </a:rPr>
+              <a:t>Reduce</a:t>
+            </a:r>
+            <a:r>
+              <a:rPr lang="zh-CN" altLang="zh-CN" sz="1200" kern="100" dirty="0">
+                <a:latin typeface="Times New Roman" panose="02020603050405020304" pitchFamily="18" charset="0"/>
+              </a:rPr>
+              <a:t>，所以由</a:t>
+            </a:r>
+            <a:r>
+              <a:rPr lang="en-US" altLang="zh-CN" sz="1200" kern="100" dirty="0">
+                <a:latin typeface="Times New Roman" panose="02020603050405020304" pitchFamily="18" charset="0"/>
+              </a:rPr>
+              <a:t>Map</a:t>
+            </a:r>
+            <a:r>
+              <a:rPr lang="zh-CN" altLang="zh-CN" sz="1200" kern="100" dirty="0">
+                <a:latin typeface="Times New Roman" panose="02020603050405020304" pitchFamily="18" charset="0"/>
+              </a:rPr>
+              <a:t>直接输出结果文件，有多少个</a:t>
+            </a:r>
+            <a:r>
+              <a:rPr lang="en-US" altLang="zh-CN" sz="1200" kern="100" dirty="0">
+                <a:latin typeface="Times New Roman" panose="02020603050405020304" pitchFamily="18" charset="0"/>
+              </a:rPr>
+              <a:t>Map Task</a:t>
+            </a:r>
+            <a:r>
+              <a:rPr lang="zh-CN" altLang="zh-CN" sz="1200" kern="100" dirty="0">
+                <a:latin typeface="Times New Roman" panose="02020603050405020304" pitchFamily="18" charset="0"/>
+              </a:rPr>
+              <a:t>，就有多少个结果文件。</a:t>
+            </a:r>
+          </a:p>
+        </p:txBody>
+      </p:sp>
+      <p:sp>
+        <p:nvSpPr>
+          <p:cNvPr id="30" name="矩形 29">
+            <a:extLst>
+              <a:ext uri="{FF2B5EF4-FFF2-40B4-BE49-F238E27FC236}">
+                <a16:creationId xmlns:a16="http://schemas.microsoft.com/office/drawing/2014/main" id="{197B2285-3740-447E-928E-E3F15E1E47FA}"/>
+              </a:ext>
+            </a:extLst>
+          </p:cNvPr>
+          <p:cNvSpPr/>
+          <p:nvPr/>
+        </p:nvSpPr>
+        <p:spPr>
+          <a:xfrm>
+            <a:off x="5604357" y="2591346"/>
+            <a:ext cx="455574" cy="276999"/>
+          </a:xfrm>
+          <a:prstGeom prst="rect">
+            <a:avLst/>
+          </a:prstGeom>
+        </p:spPr>
+        <p:txBody>
+          <a:bodyPr wrap="none">
+            <a:spAutoFit/>
+          </a:bodyPr>
+          <a:lstStyle/>
+          <a:p>
+            <a:r>
+              <a:rPr lang="en-US" altLang="zh-CN" sz="1200" dirty="0"/>
+              <a:t>load</a:t>
+            </a:r>
+            <a:endParaRPr lang="zh-CN" altLang="en-US" sz="1200" dirty="0"/>
+          </a:p>
+        </p:txBody>
+      </p:sp>
+      <p:sp>
+        <p:nvSpPr>
+          <p:cNvPr id="31" name="矩形 30">
+            <a:extLst>
+              <a:ext uri="{FF2B5EF4-FFF2-40B4-BE49-F238E27FC236}">
+                <a16:creationId xmlns:a16="http://schemas.microsoft.com/office/drawing/2014/main" id="{E4F8B9AC-067E-4013-AEC0-B21AAB4D371B}"/>
+              </a:ext>
+            </a:extLst>
+          </p:cNvPr>
+          <p:cNvSpPr/>
+          <p:nvPr/>
+        </p:nvSpPr>
+        <p:spPr>
+          <a:xfrm>
+            <a:off x="1259172" y="4178952"/>
+            <a:ext cx="667525" cy="230292"/>
+          </a:xfrm>
+          <a:prstGeom prst="rect">
+            <a:avLst/>
+          </a:prstGeom>
+        </p:spPr>
+        <p:style>
+          <a:lnRef idx="2">
+            <a:schemeClr val="accent4"/>
+          </a:lnRef>
+          <a:fillRef idx="1">
+            <a:schemeClr val="lt1"/>
+          </a:fillRef>
+          <a:effectRef idx="0">
+            <a:schemeClr val="accent4"/>
+          </a:effectRef>
+          <a:fontRef idx="minor">
+            <a:schemeClr val="dk1"/>
+          </a:fontRef>
+        </p:style>
+        <p:txBody>
+          <a:bodyPr rtlCol="0" anchor="ctr"/>
+          <a:lstStyle/>
+          <a:p>
+            <a:pPr algn="ctr"/>
+            <a:r>
+              <a:rPr lang="en-US" altLang="zh-CN" sz="1200" dirty="0"/>
+              <a:t>Table a</a:t>
+            </a:r>
+            <a:endParaRPr lang="zh-CN" altLang="en-US" sz="1200" dirty="0"/>
+          </a:p>
+        </p:txBody>
+      </p:sp>
+      <p:cxnSp>
+        <p:nvCxnSpPr>
+          <p:cNvPr id="32" name="直接箭头连接符 31">
+            <a:extLst>
+              <a:ext uri="{FF2B5EF4-FFF2-40B4-BE49-F238E27FC236}">
+                <a16:creationId xmlns:a16="http://schemas.microsoft.com/office/drawing/2014/main" id="{DAA73209-F9F9-4714-86C8-382BE5E33C3B}"/>
+              </a:ext>
+            </a:extLst>
+          </p:cNvPr>
+          <p:cNvCxnSpPr>
+            <a:stCxn id="31" idx="3"/>
+            <a:endCxn id="10" idx="1"/>
+          </p:cNvCxnSpPr>
+          <p:nvPr/>
+        </p:nvCxnSpPr>
+        <p:spPr>
+          <a:xfrm flipV="1">
+            <a:off x="1926697" y="3991798"/>
+            <a:ext cx="468052" cy="302300"/>
+          </a:xfrm>
+          <a:prstGeom prst="straightConnector1">
+            <a:avLst/>
+          </a:prstGeom>
+          <a:ln>
+            <a:tailEnd type="triangle"/>
+          </a:ln>
+        </p:spPr>
+        <p:style>
+          <a:lnRef idx="1">
+            <a:schemeClr val="accent1"/>
+          </a:lnRef>
+          <a:fillRef idx="0">
+            <a:schemeClr val="accent1"/>
+          </a:fillRef>
+          <a:effectRef idx="0">
+            <a:schemeClr val="accent1"/>
+          </a:effectRef>
+          <a:fontRef idx="minor">
+            <a:schemeClr val="tx1"/>
+          </a:fontRef>
+        </p:style>
+      </p:cxnSp>
+      <p:cxnSp>
+        <p:nvCxnSpPr>
+          <p:cNvPr id="33" name="直接箭头连接符 32">
+            <a:extLst>
+              <a:ext uri="{FF2B5EF4-FFF2-40B4-BE49-F238E27FC236}">
+                <a16:creationId xmlns:a16="http://schemas.microsoft.com/office/drawing/2014/main" id="{E93721B1-9025-4022-B47F-D0CC7401004A}"/>
+              </a:ext>
+            </a:extLst>
+          </p:cNvPr>
+          <p:cNvCxnSpPr>
+            <a:stCxn id="31" idx="3"/>
+            <a:endCxn id="11" idx="1"/>
+          </p:cNvCxnSpPr>
+          <p:nvPr/>
+        </p:nvCxnSpPr>
+        <p:spPr>
+          <a:xfrm>
+            <a:off x="1926697" y="4294098"/>
+            <a:ext cx="468052" cy="21454"/>
+          </a:xfrm>
+          <a:prstGeom prst="straightConnector1">
+            <a:avLst/>
+          </a:prstGeom>
+          <a:ln>
+            <a:tailEnd type="triangle"/>
+          </a:ln>
+        </p:spPr>
+        <p:style>
+          <a:lnRef idx="1">
+            <a:schemeClr val="accent1"/>
+          </a:lnRef>
+          <a:fillRef idx="0">
+            <a:schemeClr val="accent1"/>
+          </a:fillRef>
+          <a:effectRef idx="0">
+            <a:schemeClr val="accent1"/>
+          </a:effectRef>
+          <a:fontRef idx="minor">
+            <a:schemeClr val="tx1"/>
+          </a:fontRef>
+        </p:style>
+      </p:cxnSp>
+      <p:cxnSp>
+        <p:nvCxnSpPr>
+          <p:cNvPr id="34" name="直接箭头连接符 33">
+            <a:extLst>
+              <a:ext uri="{FF2B5EF4-FFF2-40B4-BE49-F238E27FC236}">
+                <a16:creationId xmlns:a16="http://schemas.microsoft.com/office/drawing/2014/main" id="{4496ACD7-C1C8-49C7-9DC1-F2EFA74CD9F2}"/>
+              </a:ext>
+            </a:extLst>
+          </p:cNvPr>
+          <p:cNvCxnSpPr>
+            <a:stCxn id="31" idx="3"/>
+            <a:endCxn id="12" idx="1"/>
+          </p:cNvCxnSpPr>
+          <p:nvPr/>
+        </p:nvCxnSpPr>
+        <p:spPr>
+          <a:xfrm>
+            <a:off x="1926697" y="4294098"/>
+            <a:ext cx="468052" cy="351439"/>
+          </a:xfrm>
+          <a:prstGeom prst="straightConnector1">
+            <a:avLst/>
+          </a:prstGeom>
+          <a:ln>
+            <a:tailEnd type="triangle"/>
+          </a:ln>
+        </p:spPr>
+        <p:style>
+          <a:lnRef idx="1">
+            <a:schemeClr val="accent1"/>
+          </a:lnRef>
+          <a:fillRef idx="0">
+            <a:schemeClr val="accent1"/>
+          </a:fillRef>
+          <a:effectRef idx="0">
+            <a:schemeClr val="accent1"/>
+          </a:effectRef>
+          <a:fontRef idx="minor">
+            <a:schemeClr val="tx1"/>
+          </a:fontRef>
+        </p:style>
+      </p:cxnSp>
+    </p:spTree>
+    <p:extLst>
+      <p:ext uri="{BB962C8B-B14F-4D97-AF65-F5344CB8AC3E}">
+        <p14:creationId xmlns:p14="http://schemas.microsoft.com/office/powerpoint/2010/main" val="922896456"/>
+      </p:ext>
+    </p:extLst>
+  </p:cSld>
+  <p:clrMapOvr>
+    <a:masterClrMapping/>
+  </p:clrMapOvr>
+  <p:timing>
+    <p:tnLst>
+      <p:par>
+        <p:cTn id="1" dur="indefinite" restart="never" nodeType="tmRoot">
+          <p:childTnLst>
+            <p:seq concurrent="1" nextAc="seek">
+              <p:cTn id="2" dur="indefinite" nodeType="mainSeq">
+                <p:childTnLst>
+                  <p:par>
+                    <p:cTn id="3" fill="hold">
+                      <p:stCondLst>
+                        <p:cond delay="indefinite"/>
+                      </p:stCondLst>
+                      <p:childTnLst>
+                        <p:par>
+                          <p:cTn id="4" fill="hold">
+                            <p:stCondLst>
+                              <p:cond delay="0"/>
+                            </p:stCondLst>
+                            <p:childTnLst>
+                              <p:par>
+                                <p:cTn id="5" presetID="42" presetClass="entr" presetSubtype="0" fill="hold" grpId="0" nodeType="clickEffect">
+                                  <p:stCondLst>
+                                    <p:cond delay="0"/>
+                                  </p:stCondLst>
+                                  <p:childTnLst>
+                                    <p:set>
+                                      <p:cBhvr>
+                                        <p:cTn id="6" dur="1" fill="hold">
+                                          <p:stCondLst>
+                                            <p:cond delay="0"/>
+                                          </p:stCondLst>
+                                        </p:cTn>
+                                        <p:tgtEl>
+                                          <p:spTgt spid="27"/>
+                                        </p:tgtEl>
+                                        <p:attrNameLst>
+                                          <p:attrName>style.visibility</p:attrName>
+                                        </p:attrNameLst>
+                                      </p:cBhvr>
+                                      <p:to>
+                                        <p:strVal val="visible"/>
+                                      </p:to>
+                                    </p:set>
+                                    <p:animEffect transition="in" filter="fade">
+                                      <p:cBhvr>
+                                        <p:cTn id="7" dur="1000"/>
+                                        <p:tgtEl>
+                                          <p:spTgt spid="27"/>
+                                        </p:tgtEl>
+                                      </p:cBhvr>
+                                    </p:animEffect>
+                                    <p:anim calcmode="lin" valueType="num">
+                                      <p:cBhvr>
+                                        <p:cTn id="8" dur="1000" fill="hold"/>
+                                        <p:tgtEl>
+                                          <p:spTgt spid="27"/>
+                                        </p:tgtEl>
+                                        <p:attrNameLst>
+                                          <p:attrName>ppt_x</p:attrName>
+                                        </p:attrNameLst>
+                                      </p:cBhvr>
+                                      <p:tavLst>
+                                        <p:tav tm="0">
+                                          <p:val>
+                                            <p:strVal val="#ppt_x"/>
+                                          </p:val>
+                                        </p:tav>
+                                        <p:tav tm="100000">
+                                          <p:val>
+                                            <p:strVal val="#ppt_x"/>
+                                          </p:val>
+                                        </p:tav>
+                                      </p:tavLst>
+                                    </p:anim>
+                                    <p:anim calcmode="lin" valueType="num">
+                                      <p:cBhvr>
+                                        <p:cTn id="9" dur="1000" fill="hold"/>
+                                        <p:tgtEl>
+                                          <p:spTgt spid="27"/>
+                                        </p:tgtEl>
+                                        <p:attrNameLst>
+                                          <p:attrName>ppt_y</p:attrName>
+                                        </p:attrNameLst>
+                                      </p:cBhvr>
+                                      <p:tavLst>
+                                        <p:tav tm="0">
+                                          <p:val>
+                                            <p:strVal val="#ppt_y+.1"/>
+                                          </p:val>
+                                        </p:tav>
+                                        <p:tav tm="100000">
+                                          <p:val>
+                                            <p:strVal val="#ppt_y"/>
+                                          </p:val>
+                                        </p:tav>
+                                      </p:tavLst>
+                                    </p:anim>
+                                  </p:childTnLst>
+                                </p:cTn>
+                              </p:par>
+                            </p:childTnLst>
+                          </p:cTn>
+                        </p:par>
+                      </p:childTnLst>
+                    </p:cTn>
+                  </p:par>
+                  <p:par>
+                    <p:cTn id="10" fill="hold">
+                      <p:stCondLst>
+                        <p:cond delay="indefinite"/>
+                      </p:stCondLst>
+                      <p:childTnLst>
+                        <p:par>
+                          <p:cTn id="11" fill="hold">
+                            <p:stCondLst>
+                              <p:cond delay="0"/>
+                            </p:stCondLst>
+                            <p:childTnLst>
+                              <p:par>
+                                <p:cTn id="12" presetID="42" presetClass="entr" presetSubtype="0" fill="hold" grpId="0" nodeType="clickEffect">
+                                  <p:stCondLst>
+                                    <p:cond delay="0"/>
+                                  </p:stCondLst>
+                                  <p:childTnLst>
+                                    <p:set>
+                                      <p:cBhvr>
+                                        <p:cTn id="13" dur="1" fill="hold">
+                                          <p:stCondLst>
+                                            <p:cond delay="0"/>
+                                          </p:stCondLst>
+                                        </p:cTn>
+                                        <p:tgtEl>
+                                          <p:spTgt spid="3"/>
+                                        </p:tgtEl>
+                                        <p:attrNameLst>
+                                          <p:attrName>style.visibility</p:attrName>
+                                        </p:attrNameLst>
+                                      </p:cBhvr>
+                                      <p:to>
+                                        <p:strVal val="visible"/>
+                                      </p:to>
+                                    </p:set>
+                                    <p:animEffect transition="in" filter="fade">
+                                      <p:cBhvr>
+                                        <p:cTn id="14" dur="1000"/>
+                                        <p:tgtEl>
+                                          <p:spTgt spid="3"/>
+                                        </p:tgtEl>
+                                      </p:cBhvr>
+                                    </p:animEffect>
+                                    <p:anim calcmode="lin" valueType="num">
+                                      <p:cBhvr>
+                                        <p:cTn id="15" dur="1000" fill="hold"/>
+                                        <p:tgtEl>
+                                          <p:spTgt spid="3"/>
+                                        </p:tgtEl>
+                                        <p:attrNameLst>
+                                          <p:attrName>ppt_x</p:attrName>
+                                        </p:attrNameLst>
+                                      </p:cBhvr>
+                                      <p:tavLst>
+                                        <p:tav tm="0">
+                                          <p:val>
+                                            <p:strVal val="#ppt_x"/>
+                                          </p:val>
+                                        </p:tav>
+                                        <p:tav tm="100000">
+                                          <p:val>
+                                            <p:strVal val="#ppt_x"/>
+                                          </p:val>
+                                        </p:tav>
+                                      </p:tavLst>
+                                    </p:anim>
+                                    <p:anim calcmode="lin" valueType="num">
+                                      <p:cBhvr>
+                                        <p:cTn id="16" dur="1000" fill="hold"/>
+                                        <p:tgtEl>
+                                          <p:spTgt spid="3"/>
+                                        </p:tgtEl>
+                                        <p:attrNameLst>
+                                          <p:attrName>ppt_y</p:attrName>
+                                        </p:attrNameLst>
+                                      </p:cBhvr>
+                                      <p:tavLst>
+                                        <p:tav tm="0">
+                                          <p:val>
+                                            <p:strVal val="#ppt_y+.1"/>
+                                          </p:val>
+                                        </p:tav>
+                                        <p:tav tm="100000">
+                                          <p:val>
+                                            <p:strVal val="#ppt_y"/>
+                                          </p:val>
+                                        </p:tav>
+                                      </p:tavLst>
+                                    </p:anim>
+                                  </p:childTnLst>
+                                </p:cTn>
+                              </p:par>
+                            </p:childTnLst>
+                          </p:cTn>
+                        </p:par>
+                      </p:childTnLst>
+                    </p:cTn>
+                  </p:par>
+                  <p:par>
+                    <p:cTn id="17" fill="hold">
+                      <p:stCondLst>
+                        <p:cond delay="indefinite"/>
+                      </p:stCondLst>
+                      <p:childTnLst>
+                        <p:par>
+                          <p:cTn id="18" fill="hold">
+                            <p:stCondLst>
+                              <p:cond delay="0"/>
+                            </p:stCondLst>
+                            <p:childTnLst>
+                              <p:par>
+                                <p:cTn id="19" presetID="42" presetClass="entr" presetSubtype="0" fill="hold" grpId="0" nodeType="clickEffect">
+                                  <p:stCondLst>
+                                    <p:cond delay="0"/>
+                                  </p:stCondLst>
+                                  <p:childTnLst>
+                                    <p:set>
+                                      <p:cBhvr>
+                                        <p:cTn id="20" dur="1" fill="hold">
+                                          <p:stCondLst>
+                                            <p:cond delay="0"/>
+                                          </p:stCondLst>
+                                        </p:cTn>
+                                        <p:tgtEl>
+                                          <p:spTgt spid="5"/>
+                                        </p:tgtEl>
+                                        <p:attrNameLst>
+                                          <p:attrName>style.visibility</p:attrName>
+                                        </p:attrNameLst>
+                                      </p:cBhvr>
+                                      <p:to>
+                                        <p:strVal val="visible"/>
+                                      </p:to>
+                                    </p:set>
+                                    <p:animEffect transition="in" filter="fade">
+                                      <p:cBhvr>
+                                        <p:cTn id="21" dur="1000"/>
+                                        <p:tgtEl>
+                                          <p:spTgt spid="5"/>
+                                        </p:tgtEl>
+                                      </p:cBhvr>
+                                    </p:animEffect>
+                                    <p:anim calcmode="lin" valueType="num">
+                                      <p:cBhvr>
+                                        <p:cTn id="22" dur="1000" fill="hold"/>
+                                        <p:tgtEl>
+                                          <p:spTgt spid="5"/>
+                                        </p:tgtEl>
+                                        <p:attrNameLst>
+                                          <p:attrName>ppt_x</p:attrName>
+                                        </p:attrNameLst>
+                                      </p:cBhvr>
+                                      <p:tavLst>
+                                        <p:tav tm="0">
+                                          <p:val>
+                                            <p:strVal val="#ppt_x"/>
+                                          </p:val>
+                                        </p:tav>
+                                        <p:tav tm="100000">
+                                          <p:val>
+                                            <p:strVal val="#ppt_x"/>
+                                          </p:val>
+                                        </p:tav>
+                                      </p:tavLst>
+                                    </p:anim>
+                                    <p:anim calcmode="lin" valueType="num">
+                                      <p:cBhvr>
+                                        <p:cTn id="23" dur="1000" fill="hold"/>
+                                        <p:tgtEl>
+                                          <p:spTgt spid="5"/>
+                                        </p:tgtEl>
+                                        <p:attrNameLst>
+                                          <p:attrName>ppt_y</p:attrName>
+                                        </p:attrNameLst>
+                                      </p:cBhvr>
+                                      <p:tavLst>
+                                        <p:tav tm="0">
+                                          <p:val>
+                                            <p:strVal val="#ppt_y+.1"/>
+                                          </p:val>
+                                        </p:tav>
+                                        <p:tav tm="100000">
+                                          <p:val>
+                                            <p:strVal val="#ppt_y"/>
+                                          </p:val>
+                                        </p:tav>
+                                      </p:tavLst>
+                                    </p:anim>
+                                  </p:childTnLst>
+                                </p:cTn>
+                              </p:par>
+                              <p:par>
+                                <p:cTn id="24" presetID="42" presetClass="entr" presetSubtype="0" fill="hold" grpId="0" nodeType="withEffect">
+                                  <p:stCondLst>
+                                    <p:cond delay="0"/>
+                                  </p:stCondLst>
+                                  <p:childTnLst>
+                                    <p:set>
+                                      <p:cBhvr>
+                                        <p:cTn id="25" dur="1" fill="hold">
+                                          <p:stCondLst>
+                                            <p:cond delay="0"/>
+                                          </p:stCondLst>
+                                        </p:cTn>
+                                        <p:tgtEl>
+                                          <p:spTgt spid="4"/>
+                                        </p:tgtEl>
+                                        <p:attrNameLst>
+                                          <p:attrName>style.visibility</p:attrName>
+                                        </p:attrNameLst>
+                                      </p:cBhvr>
+                                      <p:to>
+                                        <p:strVal val="visible"/>
+                                      </p:to>
+                                    </p:set>
+                                    <p:animEffect transition="in" filter="fade">
+                                      <p:cBhvr>
+                                        <p:cTn id="26" dur="1000"/>
+                                        <p:tgtEl>
+                                          <p:spTgt spid="4"/>
+                                        </p:tgtEl>
+                                      </p:cBhvr>
+                                    </p:animEffect>
+                                    <p:anim calcmode="lin" valueType="num">
+                                      <p:cBhvr>
+                                        <p:cTn id="27" dur="1000" fill="hold"/>
+                                        <p:tgtEl>
+                                          <p:spTgt spid="4"/>
+                                        </p:tgtEl>
+                                        <p:attrNameLst>
+                                          <p:attrName>ppt_x</p:attrName>
+                                        </p:attrNameLst>
+                                      </p:cBhvr>
+                                      <p:tavLst>
+                                        <p:tav tm="0">
+                                          <p:val>
+                                            <p:strVal val="#ppt_x"/>
+                                          </p:val>
+                                        </p:tav>
+                                        <p:tav tm="100000">
+                                          <p:val>
+                                            <p:strVal val="#ppt_x"/>
+                                          </p:val>
+                                        </p:tav>
+                                      </p:tavLst>
+                                    </p:anim>
+                                    <p:anim calcmode="lin" valueType="num">
+                                      <p:cBhvr>
+                                        <p:cTn id="28" dur="1000" fill="hold"/>
+                                        <p:tgtEl>
+                                          <p:spTgt spid="4"/>
+                                        </p:tgtEl>
+                                        <p:attrNameLst>
+                                          <p:attrName>ppt_y</p:attrName>
+                                        </p:attrNameLst>
+                                      </p:cBhvr>
+                                      <p:tavLst>
+                                        <p:tav tm="0">
+                                          <p:val>
+                                            <p:strVal val="#ppt_y+.1"/>
+                                          </p:val>
+                                        </p:tav>
+                                        <p:tav tm="100000">
+                                          <p:val>
+                                            <p:strVal val="#ppt_y"/>
+                                          </p:val>
+                                        </p:tav>
+                                      </p:tavLst>
+                                    </p:anim>
+                                  </p:childTnLst>
+                                </p:cTn>
+                              </p:par>
+                              <p:par>
+                                <p:cTn id="29" presetID="42" presetClass="entr" presetSubtype="0" fill="hold" nodeType="withEffect">
+                                  <p:stCondLst>
+                                    <p:cond delay="0"/>
+                                  </p:stCondLst>
+                                  <p:childTnLst>
+                                    <p:set>
+                                      <p:cBhvr>
+                                        <p:cTn id="30" dur="1" fill="hold">
+                                          <p:stCondLst>
+                                            <p:cond delay="0"/>
+                                          </p:stCondLst>
+                                        </p:cTn>
+                                        <p:tgtEl>
+                                          <p:spTgt spid="16"/>
+                                        </p:tgtEl>
+                                        <p:attrNameLst>
+                                          <p:attrName>style.visibility</p:attrName>
+                                        </p:attrNameLst>
+                                      </p:cBhvr>
+                                      <p:to>
+                                        <p:strVal val="visible"/>
+                                      </p:to>
+                                    </p:set>
+                                    <p:animEffect transition="in" filter="fade">
+                                      <p:cBhvr>
+                                        <p:cTn id="31" dur="1000"/>
+                                        <p:tgtEl>
+                                          <p:spTgt spid="16"/>
+                                        </p:tgtEl>
+                                      </p:cBhvr>
+                                    </p:animEffect>
+                                    <p:anim calcmode="lin" valueType="num">
+                                      <p:cBhvr>
+                                        <p:cTn id="32" dur="1000" fill="hold"/>
+                                        <p:tgtEl>
+                                          <p:spTgt spid="16"/>
+                                        </p:tgtEl>
+                                        <p:attrNameLst>
+                                          <p:attrName>ppt_x</p:attrName>
+                                        </p:attrNameLst>
+                                      </p:cBhvr>
+                                      <p:tavLst>
+                                        <p:tav tm="0">
+                                          <p:val>
+                                            <p:strVal val="#ppt_x"/>
+                                          </p:val>
+                                        </p:tav>
+                                        <p:tav tm="100000">
+                                          <p:val>
+                                            <p:strVal val="#ppt_x"/>
+                                          </p:val>
+                                        </p:tav>
+                                      </p:tavLst>
+                                    </p:anim>
+                                    <p:anim calcmode="lin" valueType="num">
+                                      <p:cBhvr>
+                                        <p:cTn id="33" dur="1000" fill="hold"/>
+                                        <p:tgtEl>
+                                          <p:spTgt spid="16"/>
+                                        </p:tgtEl>
+                                        <p:attrNameLst>
+                                          <p:attrName>ppt_y</p:attrName>
+                                        </p:attrNameLst>
+                                      </p:cBhvr>
+                                      <p:tavLst>
+                                        <p:tav tm="0">
+                                          <p:val>
+                                            <p:strVal val="#ppt_y+.1"/>
+                                          </p:val>
+                                        </p:tav>
+                                        <p:tav tm="100000">
+                                          <p:val>
+                                            <p:strVal val="#ppt_y"/>
+                                          </p:val>
+                                        </p:tav>
+                                      </p:tavLst>
+                                    </p:anim>
+                                  </p:childTnLst>
+                                </p:cTn>
+                              </p:par>
+                              <p:par>
+                                <p:cTn id="34" presetID="42" presetClass="entr" presetSubtype="0" fill="hold" nodeType="withEffect">
+                                  <p:stCondLst>
+                                    <p:cond delay="0"/>
+                                  </p:stCondLst>
+                                  <p:childTnLst>
+                                    <p:set>
+                                      <p:cBhvr>
+                                        <p:cTn id="35" dur="1" fill="hold">
+                                          <p:stCondLst>
+                                            <p:cond delay="0"/>
+                                          </p:stCondLst>
+                                        </p:cTn>
+                                        <p:tgtEl>
+                                          <p:spTgt spid="17"/>
+                                        </p:tgtEl>
+                                        <p:attrNameLst>
+                                          <p:attrName>style.visibility</p:attrName>
+                                        </p:attrNameLst>
+                                      </p:cBhvr>
+                                      <p:to>
+                                        <p:strVal val="visible"/>
+                                      </p:to>
+                                    </p:set>
+                                    <p:animEffect transition="in" filter="fade">
+                                      <p:cBhvr>
+                                        <p:cTn id="36" dur="1000"/>
+                                        <p:tgtEl>
+                                          <p:spTgt spid="17"/>
+                                        </p:tgtEl>
+                                      </p:cBhvr>
+                                    </p:animEffect>
+                                    <p:anim calcmode="lin" valueType="num">
+                                      <p:cBhvr>
+                                        <p:cTn id="37" dur="1000" fill="hold"/>
+                                        <p:tgtEl>
+                                          <p:spTgt spid="17"/>
+                                        </p:tgtEl>
+                                        <p:attrNameLst>
+                                          <p:attrName>ppt_x</p:attrName>
+                                        </p:attrNameLst>
+                                      </p:cBhvr>
+                                      <p:tavLst>
+                                        <p:tav tm="0">
+                                          <p:val>
+                                            <p:strVal val="#ppt_x"/>
+                                          </p:val>
+                                        </p:tav>
+                                        <p:tav tm="100000">
+                                          <p:val>
+                                            <p:strVal val="#ppt_x"/>
+                                          </p:val>
+                                        </p:tav>
+                                      </p:tavLst>
+                                    </p:anim>
+                                    <p:anim calcmode="lin" valueType="num">
+                                      <p:cBhvr>
+                                        <p:cTn id="38" dur="1000" fill="hold"/>
+                                        <p:tgtEl>
+                                          <p:spTgt spid="17"/>
+                                        </p:tgtEl>
+                                        <p:attrNameLst>
+                                          <p:attrName>ppt_y</p:attrName>
+                                        </p:attrNameLst>
+                                      </p:cBhvr>
+                                      <p:tavLst>
+                                        <p:tav tm="0">
+                                          <p:val>
+                                            <p:strVal val="#ppt_y+.1"/>
+                                          </p:val>
+                                        </p:tav>
+                                        <p:tav tm="100000">
+                                          <p:val>
+                                            <p:strVal val="#ppt_y"/>
+                                          </p:val>
+                                        </p:tav>
+                                      </p:tavLst>
+                                    </p:anim>
+                                  </p:childTnLst>
+                                </p:cTn>
+                              </p:par>
+                            </p:childTnLst>
+                          </p:cTn>
+                        </p:par>
+                      </p:childTnLst>
+                    </p:cTn>
+                  </p:par>
+                  <p:par>
+                    <p:cTn id="39" fill="hold">
+                      <p:stCondLst>
+                        <p:cond delay="indefinite"/>
+                      </p:stCondLst>
+                      <p:childTnLst>
+                        <p:par>
+                          <p:cTn id="40" fill="hold">
+                            <p:stCondLst>
+                              <p:cond delay="0"/>
+                            </p:stCondLst>
+                            <p:childTnLst>
+                              <p:par>
+                                <p:cTn id="41" presetID="42" presetClass="entr" presetSubtype="0" fill="hold" nodeType="clickEffect">
+                                  <p:stCondLst>
+                                    <p:cond delay="0"/>
+                                  </p:stCondLst>
+                                  <p:childTnLst>
+                                    <p:set>
+                                      <p:cBhvr>
+                                        <p:cTn id="42" dur="1" fill="hold">
+                                          <p:stCondLst>
+                                            <p:cond delay="0"/>
+                                          </p:stCondLst>
+                                        </p:cTn>
+                                        <p:tgtEl>
+                                          <p:spTgt spid="18"/>
+                                        </p:tgtEl>
+                                        <p:attrNameLst>
+                                          <p:attrName>style.visibility</p:attrName>
+                                        </p:attrNameLst>
+                                      </p:cBhvr>
+                                      <p:to>
+                                        <p:strVal val="visible"/>
+                                      </p:to>
+                                    </p:set>
+                                    <p:animEffect transition="in" filter="fade">
+                                      <p:cBhvr>
+                                        <p:cTn id="43" dur="1000"/>
+                                        <p:tgtEl>
+                                          <p:spTgt spid="18"/>
+                                        </p:tgtEl>
+                                      </p:cBhvr>
+                                    </p:animEffect>
+                                    <p:anim calcmode="lin" valueType="num">
+                                      <p:cBhvr>
+                                        <p:cTn id="44" dur="1000" fill="hold"/>
+                                        <p:tgtEl>
+                                          <p:spTgt spid="18"/>
+                                        </p:tgtEl>
+                                        <p:attrNameLst>
+                                          <p:attrName>ppt_x</p:attrName>
+                                        </p:attrNameLst>
+                                      </p:cBhvr>
+                                      <p:tavLst>
+                                        <p:tav tm="0">
+                                          <p:val>
+                                            <p:strVal val="#ppt_x"/>
+                                          </p:val>
+                                        </p:tav>
+                                        <p:tav tm="100000">
+                                          <p:val>
+                                            <p:strVal val="#ppt_x"/>
+                                          </p:val>
+                                        </p:tav>
+                                      </p:tavLst>
+                                    </p:anim>
+                                    <p:anim calcmode="lin" valueType="num">
+                                      <p:cBhvr>
+                                        <p:cTn id="45" dur="1000" fill="hold"/>
+                                        <p:tgtEl>
+                                          <p:spTgt spid="18"/>
+                                        </p:tgtEl>
+                                        <p:attrNameLst>
+                                          <p:attrName>ppt_y</p:attrName>
+                                        </p:attrNameLst>
+                                      </p:cBhvr>
+                                      <p:tavLst>
+                                        <p:tav tm="0">
+                                          <p:val>
+                                            <p:strVal val="#ppt_y+.1"/>
+                                          </p:val>
+                                        </p:tav>
+                                        <p:tav tm="100000">
+                                          <p:val>
+                                            <p:strVal val="#ppt_y"/>
+                                          </p:val>
+                                        </p:tav>
+                                      </p:tavLst>
+                                    </p:anim>
+                                  </p:childTnLst>
+                                </p:cTn>
+                              </p:par>
+                              <p:par>
+                                <p:cTn id="46" presetID="42" presetClass="entr" presetSubtype="0" fill="hold" grpId="0" nodeType="withEffect">
+                                  <p:stCondLst>
+                                    <p:cond delay="0"/>
+                                  </p:stCondLst>
+                                  <p:childTnLst>
+                                    <p:set>
+                                      <p:cBhvr>
+                                        <p:cTn id="47" dur="1" fill="hold">
+                                          <p:stCondLst>
+                                            <p:cond delay="0"/>
+                                          </p:stCondLst>
+                                        </p:cTn>
+                                        <p:tgtEl>
+                                          <p:spTgt spid="6"/>
+                                        </p:tgtEl>
+                                        <p:attrNameLst>
+                                          <p:attrName>style.visibility</p:attrName>
+                                        </p:attrNameLst>
+                                      </p:cBhvr>
+                                      <p:to>
+                                        <p:strVal val="visible"/>
+                                      </p:to>
+                                    </p:set>
+                                    <p:animEffect transition="in" filter="fade">
+                                      <p:cBhvr>
+                                        <p:cTn id="48" dur="1000"/>
+                                        <p:tgtEl>
+                                          <p:spTgt spid="6"/>
+                                        </p:tgtEl>
+                                      </p:cBhvr>
+                                    </p:animEffect>
+                                    <p:anim calcmode="lin" valueType="num">
+                                      <p:cBhvr>
+                                        <p:cTn id="49" dur="1000" fill="hold"/>
+                                        <p:tgtEl>
+                                          <p:spTgt spid="6"/>
+                                        </p:tgtEl>
+                                        <p:attrNameLst>
+                                          <p:attrName>ppt_x</p:attrName>
+                                        </p:attrNameLst>
+                                      </p:cBhvr>
+                                      <p:tavLst>
+                                        <p:tav tm="0">
+                                          <p:val>
+                                            <p:strVal val="#ppt_x"/>
+                                          </p:val>
+                                        </p:tav>
+                                        <p:tav tm="100000">
+                                          <p:val>
+                                            <p:strVal val="#ppt_x"/>
+                                          </p:val>
+                                        </p:tav>
+                                      </p:tavLst>
+                                    </p:anim>
+                                    <p:anim calcmode="lin" valueType="num">
+                                      <p:cBhvr>
+                                        <p:cTn id="50" dur="1000" fill="hold"/>
+                                        <p:tgtEl>
+                                          <p:spTgt spid="6"/>
+                                        </p:tgtEl>
+                                        <p:attrNameLst>
+                                          <p:attrName>ppt_y</p:attrName>
+                                        </p:attrNameLst>
+                                      </p:cBhvr>
+                                      <p:tavLst>
+                                        <p:tav tm="0">
+                                          <p:val>
+                                            <p:strVal val="#ppt_y+.1"/>
+                                          </p:val>
+                                        </p:tav>
+                                        <p:tav tm="100000">
+                                          <p:val>
+                                            <p:strVal val="#ppt_y"/>
+                                          </p:val>
+                                        </p:tav>
+                                      </p:tavLst>
+                                    </p:anim>
+                                  </p:childTnLst>
+                                </p:cTn>
+                              </p:par>
+                              <p:par>
+                                <p:cTn id="51" presetID="42" presetClass="entr" presetSubtype="0" fill="hold" nodeType="withEffect">
+                                  <p:stCondLst>
+                                    <p:cond delay="0"/>
+                                  </p:stCondLst>
+                                  <p:childTnLst>
+                                    <p:set>
+                                      <p:cBhvr>
+                                        <p:cTn id="52" dur="1" fill="hold">
+                                          <p:stCondLst>
+                                            <p:cond delay="0"/>
+                                          </p:stCondLst>
+                                        </p:cTn>
+                                        <p:tgtEl>
+                                          <p:spTgt spid="19"/>
+                                        </p:tgtEl>
+                                        <p:attrNameLst>
+                                          <p:attrName>style.visibility</p:attrName>
+                                        </p:attrNameLst>
+                                      </p:cBhvr>
+                                      <p:to>
+                                        <p:strVal val="visible"/>
+                                      </p:to>
+                                    </p:set>
+                                    <p:animEffect transition="in" filter="fade">
+                                      <p:cBhvr>
+                                        <p:cTn id="53" dur="1000"/>
+                                        <p:tgtEl>
+                                          <p:spTgt spid="19"/>
+                                        </p:tgtEl>
+                                      </p:cBhvr>
+                                    </p:animEffect>
+                                    <p:anim calcmode="lin" valueType="num">
+                                      <p:cBhvr>
+                                        <p:cTn id="54" dur="1000" fill="hold"/>
+                                        <p:tgtEl>
+                                          <p:spTgt spid="19"/>
+                                        </p:tgtEl>
+                                        <p:attrNameLst>
+                                          <p:attrName>ppt_x</p:attrName>
+                                        </p:attrNameLst>
+                                      </p:cBhvr>
+                                      <p:tavLst>
+                                        <p:tav tm="0">
+                                          <p:val>
+                                            <p:strVal val="#ppt_x"/>
+                                          </p:val>
+                                        </p:tav>
+                                        <p:tav tm="100000">
+                                          <p:val>
+                                            <p:strVal val="#ppt_x"/>
+                                          </p:val>
+                                        </p:tav>
+                                      </p:tavLst>
+                                    </p:anim>
+                                    <p:anim calcmode="lin" valueType="num">
+                                      <p:cBhvr>
+                                        <p:cTn id="55" dur="1000" fill="hold"/>
+                                        <p:tgtEl>
+                                          <p:spTgt spid="19"/>
+                                        </p:tgtEl>
+                                        <p:attrNameLst>
+                                          <p:attrName>ppt_y</p:attrName>
+                                        </p:attrNameLst>
+                                      </p:cBhvr>
+                                      <p:tavLst>
+                                        <p:tav tm="0">
+                                          <p:val>
+                                            <p:strVal val="#ppt_y+.1"/>
+                                          </p:val>
+                                        </p:tav>
+                                        <p:tav tm="100000">
+                                          <p:val>
+                                            <p:strVal val="#ppt_y"/>
+                                          </p:val>
+                                        </p:tav>
+                                      </p:tavLst>
+                                    </p:anim>
+                                  </p:childTnLst>
+                                </p:cTn>
+                              </p:par>
+                              <p:par>
+                                <p:cTn id="56" presetID="42" presetClass="entr" presetSubtype="0" fill="hold" grpId="0" nodeType="withEffect">
+                                  <p:stCondLst>
+                                    <p:cond delay="0"/>
+                                  </p:stCondLst>
+                                  <p:childTnLst>
+                                    <p:set>
+                                      <p:cBhvr>
+                                        <p:cTn id="57" dur="1" fill="hold">
+                                          <p:stCondLst>
+                                            <p:cond delay="0"/>
+                                          </p:stCondLst>
+                                        </p:cTn>
+                                        <p:tgtEl>
+                                          <p:spTgt spid="30"/>
+                                        </p:tgtEl>
+                                        <p:attrNameLst>
+                                          <p:attrName>style.visibility</p:attrName>
+                                        </p:attrNameLst>
+                                      </p:cBhvr>
+                                      <p:to>
+                                        <p:strVal val="visible"/>
+                                      </p:to>
+                                    </p:set>
+                                    <p:animEffect transition="in" filter="fade">
+                                      <p:cBhvr>
+                                        <p:cTn id="58" dur="1000"/>
+                                        <p:tgtEl>
+                                          <p:spTgt spid="30"/>
+                                        </p:tgtEl>
+                                      </p:cBhvr>
+                                    </p:animEffect>
+                                    <p:anim calcmode="lin" valueType="num">
+                                      <p:cBhvr>
+                                        <p:cTn id="59" dur="1000" fill="hold"/>
+                                        <p:tgtEl>
+                                          <p:spTgt spid="30"/>
+                                        </p:tgtEl>
+                                        <p:attrNameLst>
+                                          <p:attrName>ppt_x</p:attrName>
+                                        </p:attrNameLst>
+                                      </p:cBhvr>
+                                      <p:tavLst>
+                                        <p:tav tm="0">
+                                          <p:val>
+                                            <p:strVal val="#ppt_x"/>
+                                          </p:val>
+                                        </p:tav>
+                                        <p:tav tm="100000">
+                                          <p:val>
+                                            <p:strVal val="#ppt_x"/>
+                                          </p:val>
+                                        </p:tav>
+                                      </p:tavLst>
+                                    </p:anim>
+                                    <p:anim calcmode="lin" valueType="num">
+                                      <p:cBhvr>
+                                        <p:cTn id="60" dur="1000" fill="hold"/>
+                                        <p:tgtEl>
+                                          <p:spTgt spid="30"/>
+                                        </p:tgtEl>
+                                        <p:attrNameLst>
+                                          <p:attrName>ppt_y</p:attrName>
+                                        </p:attrNameLst>
+                                      </p:cBhvr>
+                                      <p:tavLst>
+                                        <p:tav tm="0">
+                                          <p:val>
+                                            <p:strVal val="#ppt_y+.1"/>
+                                          </p:val>
+                                        </p:tav>
+                                        <p:tav tm="100000">
+                                          <p:val>
+                                            <p:strVal val="#ppt_y"/>
+                                          </p:val>
+                                        </p:tav>
+                                      </p:tavLst>
+                                    </p:anim>
+                                  </p:childTnLst>
+                                </p:cTn>
+                              </p:par>
+                              <p:par>
+                                <p:cTn id="61" presetID="42" presetClass="entr" presetSubtype="0" fill="hold" grpId="0" nodeType="withEffect">
+                                  <p:stCondLst>
+                                    <p:cond delay="0"/>
+                                  </p:stCondLst>
+                                  <p:childTnLst>
+                                    <p:set>
+                                      <p:cBhvr>
+                                        <p:cTn id="62" dur="1" fill="hold">
+                                          <p:stCondLst>
+                                            <p:cond delay="0"/>
+                                          </p:stCondLst>
+                                        </p:cTn>
+                                        <p:tgtEl>
+                                          <p:spTgt spid="7"/>
+                                        </p:tgtEl>
+                                        <p:attrNameLst>
+                                          <p:attrName>style.visibility</p:attrName>
+                                        </p:attrNameLst>
+                                      </p:cBhvr>
+                                      <p:to>
+                                        <p:strVal val="visible"/>
+                                      </p:to>
+                                    </p:set>
+                                    <p:animEffect transition="in" filter="fade">
+                                      <p:cBhvr>
+                                        <p:cTn id="63" dur="1000"/>
+                                        <p:tgtEl>
+                                          <p:spTgt spid="7"/>
+                                        </p:tgtEl>
+                                      </p:cBhvr>
+                                    </p:animEffect>
+                                    <p:anim calcmode="lin" valueType="num">
+                                      <p:cBhvr>
+                                        <p:cTn id="64" dur="1000" fill="hold"/>
+                                        <p:tgtEl>
+                                          <p:spTgt spid="7"/>
+                                        </p:tgtEl>
+                                        <p:attrNameLst>
+                                          <p:attrName>ppt_x</p:attrName>
+                                        </p:attrNameLst>
+                                      </p:cBhvr>
+                                      <p:tavLst>
+                                        <p:tav tm="0">
+                                          <p:val>
+                                            <p:strVal val="#ppt_x"/>
+                                          </p:val>
+                                        </p:tav>
+                                        <p:tav tm="100000">
+                                          <p:val>
+                                            <p:strVal val="#ppt_x"/>
+                                          </p:val>
+                                        </p:tav>
+                                      </p:tavLst>
+                                    </p:anim>
+                                    <p:anim calcmode="lin" valueType="num">
+                                      <p:cBhvr>
+                                        <p:cTn id="65" dur="1000" fill="hold"/>
+                                        <p:tgtEl>
+                                          <p:spTgt spid="7"/>
+                                        </p:tgtEl>
+                                        <p:attrNameLst>
+                                          <p:attrName>ppt_y</p:attrName>
+                                        </p:attrNameLst>
+                                      </p:cBhvr>
+                                      <p:tavLst>
+                                        <p:tav tm="0">
+                                          <p:val>
+                                            <p:strVal val="#ppt_y+.1"/>
+                                          </p:val>
+                                        </p:tav>
+                                        <p:tav tm="100000">
+                                          <p:val>
+                                            <p:strVal val="#ppt_y"/>
+                                          </p:val>
+                                        </p:tav>
+                                      </p:tavLst>
+                                    </p:anim>
+                                  </p:childTnLst>
+                                </p:cTn>
+                              </p:par>
+                            </p:childTnLst>
+                          </p:cTn>
+                        </p:par>
+                      </p:childTnLst>
+                    </p:cTn>
+                  </p:par>
+                  <p:par>
+                    <p:cTn id="66" fill="hold">
+                      <p:stCondLst>
+                        <p:cond delay="indefinite"/>
+                      </p:stCondLst>
+                      <p:childTnLst>
+                        <p:par>
+                          <p:cTn id="67" fill="hold">
+                            <p:stCondLst>
+                              <p:cond delay="0"/>
+                            </p:stCondLst>
+                            <p:childTnLst>
+                              <p:par>
+                                <p:cTn id="68" presetID="42" presetClass="entr" presetSubtype="0" fill="hold" grpId="0" nodeType="clickEffect">
+                                  <p:stCondLst>
+                                    <p:cond delay="0"/>
+                                  </p:stCondLst>
+                                  <p:childTnLst>
+                                    <p:set>
+                                      <p:cBhvr>
+                                        <p:cTn id="69" dur="1" fill="hold">
+                                          <p:stCondLst>
+                                            <p:cond delay="0"/>
+                                          </p:stCondLst>
+                                        </p:cTn>
+                                        <p:tgtEl>
+                                          <p:spTgt spid="28"/>
+                                        </p:tgtEl>
+                                        <p:attrNameLst>
+                                          <p:attrName>style.visibility</p:attrName>
+                                        </p:attrNameLst>
+                                      </p:cBhvr>
+                                      <p:to>
+                                        <p:strVal val="visible"/>
+                                      </p:to>
+                                    </p:set>
+                                    <p:animEffect transition="in" filter="fade">
+                                      <p:cBhvr>
+                                        <p:cTn id="70" dur="1000"/>
+                                        <p:tgtEl>
+                                          <p:spTgt spid="28"/>
+                                        </p:tgtEl>
+                                      </p:cBhvr>
+                                    </p:animEffect>
+                                    <p:anim calcmode="lin" valueType="num">
+                                      <p:cBhvr>
+                                        <p:cTn id="71" dur="1000" fill="hold"/>
+                                        <p:tgtEl>
+                                          <p:spTgt spid="28"/>
+                                        </p:tgtEl>
+                                        <p:attrNameLst>
+                                          <p:attrName>ppt_x</p:attrName>
+                                        </p:attrNameLst>
+                                      </p:cBhvr>
+                                      <p:tavLst>
+                                        <p:tav tm="0">
+                                          <p:val>
+                                            <p:strVal val="#ppt_x"/>
+                                          </p:val>
+                                        </p:tav>
+                                        <p:tav tm="100000">
+                                          <p:val>
+                                            <p:strVal val="#ppt_x"/>
+                                          </p:val>
+                                        </p:tav>
+                                      </p:tavLst>
+                                    </p:anim>
+                                    <p:anim calcmode="lin" valueType="num">
+                                      <p:cBhvr>
+                                        <p:cTn id="72" dur="1000" fill="hold"/>
+                                        <p:tgtEl>
+                                          <p:spTgt spid="28"/>
+                                        </p:tgtEl>
+                                        <p:attrNameLst>
+                                          <p:attrName>ppt_y</p:attrName>
+                                        </p:attrNameLst>
+                                      </p:cBhvr>
+                                      <p:tavLst>
+                                        <p:tav tm="0">
+                                          <p:val>
+                                            <p:strVal val="#ppt_y+.1"/>
+                                          </p:val>
+                                        </p:tav>
+                                        <p:tav tm="100000">
+                                          <p:val>
+                                            <p:strVal val="#ppt_y"/>
+                                          </p:val>
+                                        </p:tav>
+                                      </p:tavLst>
+                                    </p:anim>
+                                  </p:childTnLst>
+                                </p:cTn>
+                              </p:par>
+                            </p:childTnLst>
+                          </p:cTn>
+                        </p:par>
+                      </p:childTnLst>
+                    </p:cTn>
+                  </p:par>
+                  <p:par>
+                    <p:cTn id="73" fill="hold">
+                      <p:stCondLst>
+                        <p:cond delay="indefinite"/>
+                      </p:stCondLst>
+                      <p:childTnLst>
+                        <p:par>
+                          <p:cTn id="74" fill="hold">
+                            <p:stCondLst>
+                              <p:cond delay="0"/>
+                            </p:stCondLst>
+                            <p:childTnLst>
+                              <p:par>
+                                <p:cTn id="75" presetID="42" presetClass="entr" presetSubtype="0" fill="hold" nodeType="clickEffect">
+                                  <p:stCondLst>
+                                    <p:cond delay="0"/>
+                                  </p:stCondLst>
+                                  <p:childTnLst>
+                                    <p:set>
+                                      <p:cBhvr>
+                                        <p:cTn id="76" dur="1" fill="hold">
+                                          <p:stCondLst>
+                                            <p:cond delay="0"/>
+                                          </p:stCondLst>
+                                        </p:cTn>
+                                        <p:tgtEl>
+                                          <p:spTgt spid="26"/>
+                                        </p:tgtEl>
+                                        <p:attrNameLst>
+                                          <p:attrName>style.visibility</p:attrName>
+                                        </p:attrNameLst>
+                                      </p:cBhvr>
+                                      <p:to>
+                                        <p:strVal val="visible"/>
+                                      </p:to>
+                                    </p:set>
+                                    <p:animEffect transition="in" filter="fade">
+                                      <p:cBhvr>
+                                        <p:cTn id="77" dur="1000"/>
+                                        <p:tgtEl>
+                                          <p:spTgt spid="26"/>
+                                        </p:tgtEl>
+                                      </p:cBhvr>
+                                    </p:animEffect>
+                                    <p:anim calcmode="lin" valueType="num">
+                                      <p:cBhvr>
+                                        <p:cTn id="78" dur="1000" fill="hold"/>
+                                        <p:tgtEl>
+                                          <p:spTgt spid="26"/>
+                                        </p:tgtEl>
+                                        <p:attrNameLst>
+                                          <p:attrName>ppt_x</p:attrName>
+                                        </p:attrNameLst>
+                                      </p:cBhvr>
+                                      <p:tavLst>
+                                        <p:tav tm="0">
+                                          <p:val>
+                                            <p:strVal val="#ppt_x"/>
+                                          </p:val>
+                                        </p:tav>
+                                        <p:tav tm="100000">
+                                          <p:val>
+                                            <p:strVal val="#ppt_x"/>
+                                          </p:val>
+                                        </p:tav>
+                                      </p:tavLst>
+                                    </p:anim>
+                                    <p:anim calcmode="lin" valueType="num">
+                                      <p:cBhvr>
+                                        <p:cTn id="79" dur="1000" fill="hold"/>
+                                        <p:tgtEl>
+                                          <p:spTgt spid="26"/>
+                                        </p:tgtEl>
+                                        <p:attrNameLst>
+                                          <p:attrName>ppt_y</p:attrName>
+                                        </p:attrNameLst>
+                                      </p:cBhvr>
+                                      <p:tavLst>
+                                        <p:tav tm="0">
+                                          <p:val>
+                                            <p:strVal val="#ppt_y+.1"/>
+                                          </p:val>
+                                        </p:tav>
+                                        <p:tav tm="100000">
+                                          <p:val>
+                                            <p:strVal val="#ppt_y"/>
+                                          </p:val>
+                                        </p:tav>
+                                      </p:tavLst>
+                                    </p:anim>
+                                  </p:childTnLst>
+                                </p:cTn>
+                              </p:par>
+                              <p:par>
+                                <p:cTn id="80" presetID="42" presetClass="entr" presetSubtype="0" fill="hold" grpId="0" nodeType="withEffect">
+                                  <p:stCondLst>
+                                    <p:cond delay="0"/>
+                                  </p:stCondLst>
+                                  <p:childTnLst>
+                                    <p:set>
+                                      <p:cBhvr>
+                                        <p:cTn id="81" dur="1" fill="hold">
+                                          <p:stCondLst>
+                                            <p:cond delay="0"/>
+                                          </p:stCondLst>
+                                        </p:cTn>
+                                        <p:tgtEl>
+                                          <p:spTgt spid="9"/>
+                                        </p:tgtEl>
+                                        <p:attrNameLst>
+                                          <p:attrName>style.visibility</p:attrName>
+                                        </p:attrNameLst>
+                                      </p:cBhvr>
+                                      <p:to>
+                                        <p:strVal val="visible"/>
+                                      </p:to>
+                                    </p:set>
+                                    <p:animEffect transition="in" filter="fade">
+                                      <p:cBhvr>
+                                        <p:cTn id="82" dur="1000"/>
+                                        <p:tgtEl>
+                                          <p:spTgt spid="9"/>
+                                        </p:tgtEl>
+                                      </p:cBhvr>
+                                    </p:animEffect>
+                                    <p:anim calcmode="lin" valueType="num">
+                                      <p:cBhvr>
+                                        <p:cTn id="83" dur="1000" fill="hold"/>
+                                        <p:tgtEl>
+                                          <p:spTgt spid="9"/>
+                                        </p:tgtEl>
+                                        <p:attrNameLst>
+                                          <p:attrName>ppt_x</p:attrName>
+                                        </p:attrNameLst>
+                                      </p:cBhvr>
+                                      <p:tavLst>
+                                        <p:tav tm="0">
+                                          <p:val>
+                                            <p:strVal val="#ppt_x"/>
+                                          </p:val>
+                                        </p:tav>
+                                        <p:tav tm="100000">
+                                          <p:val>
+                                            <p:strVal val="#ppt_x"/>
+                                          </p:val>
+                                        </p:tav>
+                                      </p:tavLst>
+                                    </p:anim>
+                                    <p:anim calcmode="lin" valueType="num">
+                                      <p:cBhvr>
+                                        <p:cTn id="84" dur="1000" fill="hold"/>
+                                        <p:tgtEl>
+                                          <p:spTgt spid="9"/>
+                                        </p:tgtEl>
+                                        <p:attrNameLst>
+                                          <p:attrName>ppt_y</p:attrName>
+                                        </p:attrNameLst>
+                                      </p:cBhvr>
+                                      <p:tavLst>
+                                        <p:tav tm="0">
+                                          <p:val>
+                                            <p:strVal val="#ppt_y+.1"/>
+                                          </p:val>
+                                        </p:tav>
+                                        <p:tav tm="100000">
+                                          <p:val>
+                                            <p:strVal val="#ppt_y"/>
+                                          </p:val>
+                                        </p:tav>
+                                      </p:tavLst>
+                                    </p:anim>
+                                  </p:childTnLst>
+                                </p:cTn>
+                              </p:par>
+                              <p:par>
+                                <p:cTn id="85" presetID="42" presetClass="entr" presetSubtype="0" fill="hold" grpId="0" nodeType="withEffect">
+                                  <p:stCondLst>
+                                    <p:cond delay="0"/>
+                                  </p:stCondLst>
+                                  <p:childTnLst>
+                                    <p:set>
+                                      <p:cBhvr>
+                                        <p:cTn id="86" dur="1" fill="hold">
+                                          <p:stCondLst>
+                                            <p:cond delay="0"/>
+                                          </p:stCondLst>
+                                        </p:cTn>
+                                        <p:tgtEl>
+                                          <p:spTgt spid="10"/>
+                                        </p:tgtEl>
+                                        <p:attrNameLst>
+                                          <p:attrName>style.visibility</p:attrName>
+                                        </p:attrNameLst>
+                                      </p:cBhvr>
+                                      <p:to>
+                                        <p:strVal val="visible"/>
+                                      </p:to>
+                                    </p:set>
+                                    <p:animEffect transition="in" filter="fade">
+                                      <p:cBhvr>
+                                        <p:cTn id="87" dur="1000"/>
+                                        <p:tgtEl>
+                                          <p:spTgt spid="10"/>
+                                        </p:tgtEl>
+                                      </p:cBhvr>
+                                    </p:animEffect>
+                                    <p:anim calcmode="lin" valueType="num">
+                                      <p:cBhvr>
+                                        <p:cTn id="88" dur="1000" fill="hold"/>
+                                        <p:tgtEl>
+                                          <p:spTgt spid="10"/>
+                                        </p:tgtEl>
+                                        <p:attrNameLst>
+                                          <p:attrName>ppt_x</p:attrName>
+                                        </p:attrNameLst>
+                                      </p:cBhvr>
+                                      <p:tavLst>
+                                        <p:tav tm="0">
+                                          <p:val>
+                                            <p:strVal val="#ppt_x"/>
+                                          </p:val>
+                                        </p:tav>
+                                        <p:tav tm="100000">
+                                          <p:val>
+                                            <p:strVal val="#ppt_x"/>
+                                          </p:val>
+                                        </p:tav>
+                                      </p:tavLst>
+                                    </p:anim>
+                                    <p:anim calcmode="lin" valueType="num">
+                                      <p:cBhvr>
+                                        <p:cTn id="89" dur="1000" fill="hold"/>
+                                        <p:tgtEl>
+                                          <p:spTgt spid="10"/>
+                                        </p:tgtEl>
+                                        <p:attrNameLst>
+                                          <p:attrName>ppt_y</p:attrName>
+                                        </p:attrNameLst>
+                                      </p:cBhvr>
+                                      <p:tavLst>
+                                        <p:tav tm="0">
+                                          <p:val>
+                                            <p:strVal val="#ppt_y+.1"/>
+                                          </p:val>
+                                        </p:tav>
+                                        <p:tav tm="100000">
+                                          <p:val>
+                                            <p:strVal val="#ppt_y"/>
+                                          </p:val>
+                                        </p:tav>
+                                      </p:tavLst>
+                                    </p:anim>
+                                  </p:childTnLst>
+                                </p:cTn>
+                              </p:par>
+                              <p:par>
+                                <p:cTn id="90" presetID="42" presetClass="entr" presetSubtype="0" fill="hold" grpId="0" nodeType="withEffect">
+                                  <p:stCondLst>
+                                    <p:cond delay="0"/>
+                                  </p:stCondLst>
+                                  <p:childTnLst>
+                                    <p:set>
+                                      <p:cBhvr>
+                                        <p:cTn id="91" dur="1" fill="hold">
+                                          <p:stCondLst>
+                                            <p:cond delay="0"/>
+                                          </p:stCondLst>
+                                        </p:cTn>
+                                        <p:tgtEl>
+                                          <p:spTgt spid="12"/>
+                                        </p:tgtEl>
+                                        <p:attrNameLst>
+                                          <p:attrName>style.visibility</p:attrName>
+                                        </p:attrNameLst>
+                                      </p:cBhvr>
+                                      <p:to>
+                                        <p:strVal val="visible"/>
+                                      </p:to>
+                                    </p:set>
+                                    <p:animEffect transition="in" filter="fade">
+                                      <p:cBhvr>
+                                        <p:cTn id="92" dur="1000"/>
+                                        <p:tgtEl>
+                                          <p:spTgt spid="12"/>
+                                        </p:tgtEl>
+                                      </p:cBhvr>
+                                    </p:animEffect>
+                                    <p:anim calcmode="lin" valueType="num">
+                                      <p:cBhvr>
+                                        <p:cTn id="93" dur="1000" fill="hold"/>
+                                        <p:tgtEl>
+                                          <p:spTgt spid="12"/>
+                                        </p:tgtEl>
+                                        <p:attrNameLst>
+                                          <p:attrName>ppt_x</p:attrName>
+                                        </p:attrNameLst>
+                                      </p:cBhvr>
+                                      <p:tavLst>
+                                        <p:tav tm="0">
+                                          <p:val>
+                                            <p:strVal val="#ppt_x"/>
+                                          </p:val>
+                                        </p:tav>
+                                        <p:tav tm="100000">
+                                          <p:val>
+                                            <p:strVal val="#ppt_x"/>
+                                          </p:val>
+                                        </p:tav>
+                                      </p:tavLst>
+                                    </p:anim>
+                                    <p:anim calcmode="lin" valueType="num">
+                                      <p:cBhvr>
+                                        <p:cTn id="94" dur="1000" fill="hold"/>
+                                        <p:tgtEl>
+                                          <p:spTgt spid="12"/>
+                                        </p:tgtEl>
+                                        <p:attrNameLst>
+                                          <p:attrName>ppt_y</p:attrName>
+                                        </p:attrNameLst>
+                                      </p:cBhvr>
+                                      <p:tavLst>
+                                        <p:tav tm="0">
+                                          <p:val>
+                                            <p:strVal val="#ppt_y+.1"/>
+                                          </p:val>
+                                        </p:tav>
+                                        <p:tav tm="100000">
+                                          <p:val>
+                                            <p:strVal val="#ppt_y"/>
+                                          </p:val>
+                                        </p:tav>
+                                      </p:tavLst>
+                                    </p:anim>
+                                  </p:childTnLst>
+                                </p:cTn>
+                              </p:par>
+                              <p:par>
+                                <p:cTn id="95" presetID="42" presetClass="entr" presetSubtype="0" fill="hold" grpId="0" nodeType="withEffect">
+                                  <p:stCondLst>
+                                    <p:cond delay="0"/>
+                                  </p:stCondLst>
+                                  <p:childTnLst>
+                                    <p:set>
+                                      <p:cBhvr>
+                                        <p:cTn id="96" dur="1" fill="hold">
+                                          <p:stCondLst>
+                                            <p:cond delay="0"/>
+                                          </p:stCondLst>
+                                        </p:cTn>
+                                        <p:tgtEl>
+                                          <p:spTgt spid="11"/>
+                                        </p:tgtEl>
+                                        <p:attrNameLst>
+                                          <p:attrName>style.visibility</p:attrName>
+                                        </p:attrNameLst>
+                                      </p:cBhvr>
+                                      <p:to>
+                                        <p:strVal val="visible"/>
+                                      </p:to>
+                                    </p:set>
+                                    <p:animEffect transition="in" filter="fade">
+                                      <p:cBhvr>
+                                        <p:cTn id="97" dur="1000"/>
+                                        <p:tgtEl>
+                                          <p:spTgt spid="11"/>
+                                        </p:tgtEl>
+                                      </p:cBhvr>
+                                    </p:animEffect>
+                                    <p:anim calcmode="lin" valueType="num">
+                                      <p:cBhvr>
+                                        <p:cTn id="98" dur="1000" fill="hold"/>
+                                        <p:tgtEl>
+                                          <p:spTgt spid="11"/>
+                                        </p:tgtEl>
+                                        <p:attrNameLst>
+                                          <p:attrName>ppt_x</p:attrName>
+                                        </p:attrNameLst>
+                                      </p:cBhvr>
+                                      <p:tavLst>
+                                        <p:tav tm="0">
+                                          <p:val>
+                                            <p:strVal val="#ppt_x"/>
+                                          </p:val>
+                                        </p:tav>
+                                        <p:tav tm="100000">
+                                          <p:val>
+                                            <p:strVal val="#ppt_x"/>
+                                          </p:val>
+                                        </p:tav>
+                                      </p:tavLst>
+                                    </p:anim>
+                                    <p:anim calcmode="lin" valueType="num">
+                                      <p:cBhvr>
+                                        <p:cTn id="99" dur="1000" fill="hold"/>
+                                        <p:tgtEl>
+                                          <p:spTgt spid="11"/>
+                                        </p:tgtEl>
+                                        <p:attrNameLst>
+                                          <p:attrName>ppt_y</p:attrName>
+                                        </p:attrNameLst>
+                                      </p:cBhvr>
+                                      <p:tavLst>
+                                        <p:tav tm="0">
+                                          <p:val>
+                                            <p:strVal val="#ppt_y+.1"/>
+                                          </p:val>
+                                        </p:tav>
+                                        <p:tav tm="100000">
+                                          <p:val>
+                                            <p:strVal val="#ppt_y"/>
+                                          </p:val>
+                                        </p:tav>
+                                      </p:tavLst>
+                                    </p:anim>
+                                  </p:childTnLst>
+                                </p:cTn>
+                              </p:par>
+                              <p:par>
+                                <p:cTn id="100" presetID="42" presetClass="entr" presetSubtype="0" fill="hold" grpId="0" nodeType="withEffect">
+                                  <p:stCondLst>
+                                    <p:cond delay="0"/>
+                                  </p:stCondLst>
+                                  <p:childTnLst>
+                                    <p:set>
+                                      <p:cBhvr>
+                                        <p:cTn id="101" dur="1" fill="hold">
+                                          <p:stCondLst>
+                                            <p:cond delay="0"/>
+                                          </p:stCondLst>
+                                        </p:cTn>
+                                        <p:tgtEl>
+                                          <p:spTgt spid="8"/>
+                                        </p:tgtEl>
+                                        <p:attrNameLst>
+                                          <p:attrName>style.visibility</p:attrName>
+                                        </p:attrNameLst>
+                                      </p:cBhvr>
+                                      <p:to>
+                                        <p:strVal val="visible"/>
+                                      </p:to>
+                                    </p:set>
+                                    <p:animEffect transition="in" filter="fade">
+                                      <p:cBhvr>
+                                        <p:cTn id="102" dur="1000"/>
+                                        <p:tgtEl>
+                                          <p:spTgt spid="8"/>
+                                        </p:tgtEl>
+                                      </p:cBhvr>
+                                    </p:animEffect>
+                                    <p:anim calcmode="lin" valueType="num">
+                                      <p:cBhvr>
+                                        <p:cTn id="103" dur="1000" fill="hold"/>
+                                        <p:tgtEl>
+                                          <p:spTgt spid="8"/>
+                                        </p:tgtEl>
+                                        <p:attrNameLst>
+                                          <p:attrName>ppt_x</p:attrName>
+                                        </p:attrNameLst>
+                                      </p:cBhvr>
+                                      <p:tavLst>
+                                        <p:tav tm="0">
+                                          <p:val>
+                                            <p:strVal val="#ppt_x"/>
+                                          </p:val>
+                                        </p:tav>
+                                        <p:tav tm="100000">
+                                          <p:val>
+                                            <p:strVal val="#ppt_x"/>
+                                          </p:val>
+                                        </p:tav>
+                                      </p:tavLst>
+                                    </p:anim>
+                                    <p:anim calcmode="lin" valueType="num">
+                                      <p:cBhvr>
+                                        <p:cTn id="104" dur="1000" fill="hold"/>
+                                        <p:tgtEl>
+                                          <p:spTgt spid="8"/>
+                                        </p:tgtEl>
+                                        <p:attrNameLst>
+                                          <p:attrName>ppt_y</p:attrName>
+                                        </p:attrNameLst>
+                                      </p:cBhvr>
+                                      <p:tavLst>
+                                        <p:tav tm="0">
+                                          <p:val>
+                                            <p:strVal val="#ppt_y+.1"/>
+                                          </p:val>
+                                        </p:tav>
+                                        <p:tav tm="100000">
+                                          <p:val>
+                                            <p:strVal val="#ppt_y"/>
+                                          </p:val>
+                                        </p:tav>
+                                      </p:tavLst>
+                                    </p:anim>
+                                  </p:childTnLst>
+                                </p:cTn>
+                              </p:par>
+                              <p:par>
+                                <p:cTn id="105" presetID="42" presetClass="entr" presetSubtype="0" fill="hold" nodeType="withEffect">
+                                  <p:stCondLst>
+                                    <p:cond delay="0"/>
+                                  </p:stCondLst>
+                                  <p:childTnLst>
+                                    <p:set>
+                                      <p:cBhvr>
+                                        <p:cTn id="106" dur="1" fill="hold">
+                                          <p:stCondLst>
+                                            <p:cond delay="0"/>
+                                          </p:stCondLst>
+                                        </p:cTn>
+                                        <p:tgtEl>
+                                          <p:spTgt spid="20"/>
+                                        </p:tgtEl>
+                                        <p:attrNameLst>
+                                          <p:attrName>style.visibility</p:attrName>
+                                        </p:attrNameLst>
+                                      </p:cBhvr>
+                                      <p:to>
+                                        <p:strVal val="visible"/>
+                                      </p:to>
+                                    </p:set>
+                                    <p:animEffect transition="in" filter="fade">
+                                      <p:cBhvr>
+                                        <p:cTn id="107" dur="1000"/>
+                                        <p:tgtEl>
+                                          <p:spTgt spid="20"/>
+                                        </p:tgtEl>
+                                      </p:cBhvr>
+                                    </p:animEffect>
+                                    <p:anim calcmode="lin" valueType="num">
+                                      <p:cBhvr>
+                                        <p:cTn id="108" dur="1000" fill="hold"/>
+                                        <p:tgtEl>
+                                          <p:spTgt spid="20"/>
+                                        </p:tgtEl>
+                                        <p:attrNameLst>
+                                          <p:attrName>ppt_x</p:attrName>
+                                        </p:attrNameLst>
+                                      </p:cBhvr>
+                                      <p:tavLst>
+                                        <p:tav tm="0">
+                                          <p:val>
+                                            <p:strVal val="#ppt_x"/>
+                                          </p:val>
+                                        </p:tav>
+                                        <p:tav tm="100000">
+                                          <p:val>
+                                            <p:strVal val="#ppt_x"/>
+                                          </p:val>
+                                        </p:tav>
+                                      </p:tavLst>
+                                    </p:anim>
+                                    <p:anim calcmode="lin" valueType="num">
+                                      <p:cBhvr>
+                                        <p:cTn id="109" dur="1000" fill="hold"/>
+                                        <p:tgtEl>
+                                          <p:spTgt spid="20"/>
+                                        </p:tgtEl>
+                                        <p:attrNameLst>
+                                          <p:attrName>ppt_y</p:attrName>
+                                        </p:attrNameLst>
+                                      </p:cBhvr>
+                                      <p:tavLst>
+                                        <p:tav tm="0">
+                                          <p:val>
+                                            <p:strVal val="#ppt_y+.1"/>
+                                          </p:val>
+                                        </p:tav>
+                                        <p:tav tm="100000">
+                                          <p:val>
+                                            <p:strVal val="#ppt_y"/>
+                                          </p:val>
+                                        </p:tav>
+                                      </p:tavLst>
+                                    </p:anim>
+                                  </p:childTnLst>
+                                </p:cTn>
+                              </p:par>
+                              <p:par>
+                                <p:cTn id="110" presetID="42" presetClass="entr" presetSubtype="0" fill="hold" nodeType="withEffect">
+                                  <p:stCondLst>
+                                    <p:cond delay="0"/>
+                                  </p:stCondLst>
+                                  <p:childTnLst>
+                                    <p:set>
+                                      <p:cBhvr>
+                                        <p:cTn id="111" dur="1" fill="hold">
+                                          <p:stCondLst>
+                                            <p:cond delay="0"/>
+                                          </p:stCondLst>
+                                        </p:cTn>
+                                        <p:tgtEl>
+                                          <p:spTgt spid="21"/>
+                                        </p:tgtEl>
+                                        <p:attrNameLst>
+                                          <p:attrName>style.visibility</p:attrName>
+                                        </p:attrNameLst>
+                                      </p:cBhvr>
+                                      <p:to>
+                                        <p:strVal val="visible"/>
+                                      </p:to>
+                                    </p:set>
+                                    <p:animEffect transition="in" filter="fade">
+                                      <p:cBhvr>
+                                        <p:cTn id="112" dur="1000"/>
+                                        <p:tgtEl>
+                                          <p:spTgt spid="21"/>
+                                        </p:tgtEl>
+                                      </p:cBhvr>
+                                    </p:animEffect>
+                                    <p:anim calcmode="lin" valueType="num">
+                                      <p:cBhvr>
+                                        <p:cTn id="113" dur="1000" fill="hold"/>
+                                        <p:tgtEl>
+                                          <p:spTgt spid="21"/>
+                                        </p:tgtEl>
+                                        <p:attrNameLst>
+                                          <p:attrName>ppt_x</p:attrName>
+                                        </p:attrNameLst>
+                                      </p:cBhvr>
+                                      <p:tavLst>
+                                        <p:tav tm="0">
+                                          <p:val>
+                                            <p:strVal val="#ppt_x"/>
+                                          </p:val>
+                                        </p:tav>
+                                        <p:tav tm="100000">
+                                          <p:val>
+                                            <p:strVal val="#ppt_x"/>
+                                          </p:val>
+                                        </p:tav>
+                                      </p:tavLst>
+                                    </p:anim>
+                                    <p:anim calcmode="lin" valueType="num">
+                                      <p:cBhvr>
+                                        <p:cTn id="114" dur="1000" fill="hold"/>
+                                        <p:tgtEl>
+                                          <p:spTgt spid="21"/>
+                                        </p:tgtEl>
+                                        <p:attrNameLst>
+                                          <p:attrName>ppt_y</p:attrName>
+                                        </p:attrNameLst>
+                                      </p:cBhvr>
+                                      <p:tavLst>
+                                        <p:tav tm="0">
+                                          <p:val>
+                                            <p:strVal val="#ppt_y+.1"/>
+                                          </p:val>
+                                        </p:tav>
+                                        <p:tav tm="100000">
+                                          <p:val>
+                                            <p:strVal val="#ppt_y"/>
+                                          </p:val>
+                                        </p:tav>
+                                      </p:tavLst>
+                                    </p:anim>
+                                  </p:childTnLst>
+                                </p:cTn>
+                              </p:par>
+                              <p:par>
+                                <p:cTn id="115" presetID="42" presetClass="entr" presetSubtype="0" fill="hold" nodeType="withEffect">
+                                  <p:stCondLst>
+                                    <p:cond delay="0"/>
+                                  </p:stCondLst>
+                                  <p:childTnLst>
+                                    <p:set>
+                                      <p:cBhvr>
+                                        <p:cTn id="116" dur="1" fill="hold">
+                                          <p:stCondLst>
+                                            <p:cond delay="0"/>
+                                          </p:stCondLst>
+                                        </p:cTn>
+                                        <p:tgtEl>
+                                          <p:spTgt spid="22"/>
+                                        </p:tgtEl>
+                                        <p:attrNameLst>
+                                          <p:attrName>style.visibility</p:attrName>
+                                        </p:attrNameLst>
+                                      </p:cBhvr>
+                                      <p:to>
+                                        <p:strVal val="visible"/>
+                                      </p:to>
+                                    </p:set>
+                                    <p:animEffect transition="in" filter="fade">
+                                      <p:cBhvr>
+                                        <p:cTn id="117" dur="1000"/>
+                                        <p:tgtEl>
+                                          <p:spTgt spid="22"/>
+                                        </p:tgtEl>
+                                      </p:cBhvr>
+                                    </p:animEffect>
+                                    <p:anim calcmode="lin" valueType="num">
+                                      <p:cBhvr>
+                                        <p:cTn id="118" dur="1000" fill="hold"/>
+                                        <p:tgtEl>
+                                          <p:spTgt spid="22"/>
+                                        </p:tgtEl>
+                                        <p:attrNameLst>
+                                          <p:attrName>ppt_x</p:attrName>
+                                        </p:attrNameLst>
+                                      </p:cBhvr>
+                                      <p:tavLst>
+                                        <p:tav tm="0">
+                                          <p:val>
+                                            <p:strVal val="#ppt_x"/>
+                                          </p:val>
+                                        </p:tav>
+                                        <p:tav tm="100000">
+                                          <p:val>
+                                            <p:strVal val="#ppt_x"/>
+                                          </p:val>
+                                        </p:tav>
+                                      </p:tavLst>
+                                    </p:anim>
+                                    <p:anim calcmode="lin" valueType="num">
+                                      <p:cBhvr>
+                                        <p:cTn id="119" dur="1000" fill="hold"/>
+                                        <p:tgtEl>
+                                          <p:spTgt spid="22"/>
+                                        </p:tgtEl>
+                                        <p:attrNameLst>
+                                          <p:attrName>ppt_y</p:attrName>
+                                        </p:attrNameLst>
+                                      </p:cBhvr>
+                                      <p:tavLst>
+                                        <p:tav tm="0">
+                                          <p:val>
+                                            <p:strVal val="#ppt_y+.1"/>
+                                          </p:val>
+                                        </p:tav>
+                                        <p:tav tm="100000">
+                                          <p:val>
+                                            <p:strVal val="#ppt_y"/>
+                                          </p:val>
+                                        </p:tav>
+                                      </p:tavLst>
+                                    </p:anim>
+                                  </p:childTnLst>
+                                </p:cTn>
+                              </p:par>
+                              <p:par>
+                                <p:cTn id="120" presetID="42" presetClass="entr" presetSubtype="0" fill="hold" grpId="0" nodeType="withEffect">
+                                  <p:stCondLst>
+                                    <p:cond delay="0"/>
+                                  </p:stCondLst>
+                                  <p:childTnLst>
+                                    <p:set>
+                                      <p:cBhvr>
+                                        <p:cTn id="121" dur="1" fill="hold">
+                                          <p:stCondLst>
+                                            <p:cond delay="0"/>
+                                          </p:stCondLst>
+                                        </p:cTn>
+                                        <p:tgtEl>
+                                          <p:spTgt spid="31"/>
+                                        </p:tgtEl>
+                                        <p:attrNameLst>
+                                          <p:attrName>style.visibility</p:attrName>
+                                        </p:attrNameLst>
+                                      </p:cBhvr>
+                                      <p:to>
+                                        <p:strVal val="visible"/>
+                                      </p:to>
+                                    </p:set>
+                                    <p:animEffect transition="in" filter="fade">
+                                      <p:cBhvr>
+                                        <p:cTn id="122" dur="1000"/>
+                                        <p:tgtEl>
+                                          <p:spTgt spid="31"/>
+                                        </p:tgtEl>
+                                      </p:cBhvr>
+                                    </p:animEffect>
+                                    <p:anim calcmode="lin" valueType="num">
+                                      <p:cBhvr>
+                                        <p:cTn id="123" dur="1000" fill="hold"/>
+                                        <p:tgtEl>
+                                          <p:spTgt spid="31"/>
+                                        </p:tgtEl>
+                                        <p:attrNameLst>
+                                          <p:attrName>ppt_x</p:attrName>
+                                        </p:attrNameLst>
+                                      </p:cBhvr>
+                                      <p:tavLst>
+                                        <p:tav tm="0">
+                                          <p:val>
+                                            <p:strVal val="#ppt_x"/>
+                                          </p:val>
+                                        </p:tav>
+                                        <p:tav tm="100000">
+                                          <p:val>
+                                            <p:strVal val="#ppt_x"/>
+                                          </p:val>
+                                        </p:tav>
+                                      </p:tavLst>
+                                    </p:anim>
+                                    <p:anim calcmode="lin" valueType="num">
+                                      <p:cBhvr>
+                                        <p:cTn id="124" dur="1000" fill="hold"/>
+                                        <p:tgtEl>
+                                          <p:spTgt spid="31"/>
+                                        </p:tgtEl>
+                                        <p:attrNameLst>
+                                          <p:attrName>ppt_y</p:attrName>
+                                        </p:attrNameLst>
+                                      </p:cBhvr>
+                                      <p:tavLst>
+                                        <p:tav tm="0">
+                                          <p:val>
+                                            <p:strVal val="#ppt_y+.1"/>
+                                          </p:val>
+                                        </p:tav>
+                                        <p:tav tm="100000">
+                                          <p:val>
+                                            <p:strVal val="#ppt_y"/>
+                                          </p:val>
+                                        </p:tav>
+                                      </p:tavLst>
+                                    </p:anim>
+                                  </p:childTnLst>
+                                </p:cTn>
+                              </p:par>
+                              <p:par>
+                                <p:cTn id="125" presetID="42" presetClass="entr" presetSubtype="0" fill="hold" nodeType="withEffect">
+                                  <p:stCondLst>
+                                    <p:cond delay="0"/>
+                                  </p:stCondLst>
+                                  <p:childTnLst>
+                                    <p:set>
+                                      <p:cBhvr>
+                                        <p:cTn id="126" dur="1" fill="hold">
+                                          <p:stCondLst>
+                                            <p:cond delay="0"/>
+                                          </p:stCondLst>
+                                        </p:cTn>
+                                        <p:tgtEl>
+                                          <p:spTgt spid="32"/>
+                                        </p:tgtEl>
+                                        <p:attrNameLst>
+                                          <p:attrName>style.visibility</p:attrName>
+                                        </p:attrNameLst>
+                                      </p:cBhvr>
+                                      <p:to>
+                                        <p:strVal val="visible"/>
+                                      </p:to>
+                                    </p:set>
+                                    <p:animEffect transition="in" filter="fade">
+                                      <p:cBhvr>
+                                        <p:cTn id="127" dur="1000"/>
+                                        <p:tgtEl>
+                                          <p:spTgt spid="32"/>
+                                        </p:tgtEl>
+                                      </p:cBhvr>
+                                    </p:animEffect>
+                                    <p:anim calcmode="lin" valueType="num">
+                                      <p:cBhvr>
+                                        <p:cTn id="128" dur="1000" fill="hold"/>
+                                        <p:tgtEl>
+                                          <p:spTgt spid="32"/>
+                                        </p:tgtEl>
+                                        <p:attrNameLst>
+                                          <p:attrName>ppt_x</p:attrName>
+                                        </p:attrNameLst>
+                                      </p:cBhvr>
+                                      <p:tavLst>
+                                        <p:tav tm="0">
+                                          <p:val>
+                                            <p:strVal val="#ppt_x"/>
+                                          </p:val>
+                                        </p:tav>
+                                        <p:tav tm="100000">
+                                          <p:val>
+                                            <p:strVal val="#ppt_x"/>
+                                          </p:val>
+                                        </p:tav>
+                                      </p:tavLst>
+                                    </p:anim>
+                                    <p:anim calcmode="lin" valueType="num">
+                                      <p:cBhvr>
+                                        <p:cTn id="129" dur="1000" fill="hold"/>
+                                        <p:tgtEl>
+                                          <p:spTgt spid="32"/>
+                                        </p:tgtEl>
+                                        <p:attrNameLst>
+                                          <p:attrName>ppt_y</p:attrName>
+                                        </p:attrNameLst>
+                                      </p:cBhvr>
+                                      <p:tavLst>
+                                        <p:tav tm="0">
+                                          <p:val>
+                                            <p:strVal val="#ppt_y+.1"/>
+                                          </p:val>
+                                        </p:tav>
+                                        <p:tav tm="100000">
+                                          <p:val>
+                                            <p:strVal val="#ppt_y"/>
+                                          </p:val>
+                                        </p:tav>
+                                      </p:tavLst>
+                                    </p:anim>
+                                  </p:childTnLst>
+                                </p:cTn>
+                              </p:par>
+                              <p:par>
+                                <p:cTn id="130" presetID="42" presetClass="entr" presetSubtype="0" fill="hold" nodeType="withEffect">
+                                  <p:stCondLst>
+                                    <p:cond delay="0"/>
+                                  </p:stCondLst>
+                                  <p:childTnLst>
+                                    <p:set>
+                                      <p:cBhvr>
+                                        <p:cTn id="131" dur="1" fill="hold">
+                                          <p:stCondLst>
+                                            <p:cond delay="0"/>
+                                          </p:stCondLst>
+                                        </p:cTn>
+                                        <p:tgtEl>
+                                          <p:spTgt spid="33"/>
+                                        </p:tgtEl>
+                                        <p:attrNameLst>
+                                          <p:attrName>style.visibility</p:attrName>
+                                        </p:attrNameLst>
+                                      </p:cBhvr>
+                                      <p:to>
+                                        <p:strVal val="visible"/>
+                                      </p:to>
+                                    </p:set>
+                                    <p:animEffect transition="in" filter="fade">
+                                      <p:cBhvr>
+                                        <p:cTn id="132" dur="1000"/>
+                                        <p:tgtEl>
+                                          <p:spTgt spid="33"/>
+                                        </p:tgtEl>
+                                      </p:cBhvr>
+                                    </p:animEffect>
+                                    <p:anim calcmode="lin" valueType="num">
+                                      <p:cBhvr>
+                                        <p:cTn id="133" dur="1000" fill="hold"/>
+                                        <p:tgtEl>
+                                          <p:spTgt spid="33"/>
+                                        </p:tgtEl>
+                                        <p:attrNameLst>
+                                          <p:attrName>ppt_x</p:attrName>
+                                        </p:attrNameLst>
+                                      </p:cBhvr>
+                                      <p:tavLst>
+                                        <p:tav tm="0">
+                                          <p:val>
+                                            <p:strVal val="#ppt_x"/>
+                                          </p:val>
+                                        </p:tav>
+                                        <p:tav tm="100000">
+                                          <p:val>
+                                            <p:strVal val="#ppt_x"/>
+                                          </p:val>
+                                        </p:tav>
+                                      </p:tavLst>
+                                    </p:anim>
+                                    <p:anim calcmode="lin" valueType="num">
+                                      <p:cBhvr>
+                                        <p:cTn id="134" dur="1000" fill="hold"/>
+                                        <p:tgtEl>
+                                          <p:spTgt spid="33"/>
+                                        </p:tgtEl>
+                                        <p:attrNameLst>
+                                          <p:attrName>ppt_y</p:attrName>
+                                        </p:attrNameLst>
+                                      </p:cBhvr>
+                                      <p:tavLst>
+                                        <p:tav tm="0">
+                                          <p:val>
+                                            <p:strVal val="#ppt_y+.1"/>
+                                          </p:val>
+                                        </p:tav>
+                                        <p:tav tm="100000">
+                                          <p:val>
+                                            <p:strVal val="#ppt_y"/>
+                                          </p:val>
+                                        </p:tav>
+                                      </p:tavLst>
+                                    </p:anim>
+                                  </p:childTnLst>
+                                </p:cTn>
+                              </p:par>
+                              <p:par>
+                                <p:cTn id="135" presetID="42" presetClass="entr" presetSubtype="0" fill="hold" nodeType="withEffect">
+                                  <p:stCondLst>
+                                    <p:cond delay="0"/>
+                                  </p:stCondLst>
+                                  <p:childTnLst>
+                                    <p:set>
+                                      <p:cBhvr>
+                                        <p:cTn id="136" dur="1" fill="hold">
+                                          <p:stCondLst>
+                                            <p:cond delay="0"/>
+                                          </p:stCondLst>
+                                        </p:cTn>
+                                        <p:tgtEl>
+                                          <p:spTgt spid="34"/>
+                                        </p:tgtEl>
+                                        <p:attrNameLst>
+                                          <p:attrName>style.visibility</p:attrName>
+                                        </p:attrNameLst>
+                                      </p:cBhvr>
+                                      <p:to>
+                                        <p:strVal val="visible"/>
+                                      </p:to>
+                                    </p:set>
+                                    <p:animEffect transition="in" filter="fade">
+                                      <p:cBhvr>
+                                        <p:cTn id="137" dur="1000"/>
+                                        <p:tgtEl>
+                                          <p:spTgt spid="34"/>
+                                        </p:tgtEl>
+                                      </p:cBhvr>
+                                    </p:animEffect>
+                                    <p:anim calcmode="lin" valueType="num">
+                                      <p:cBhvr>
+                                        <p:cTn id="138" dur="1000" fill="hold"/>
+                                        <p:tgtEl>
+                                          <p:spTgt spid="34"/>
+                                        </p:tgtEl>
+                                        <p:attrNameLst>
+                                          <p:attrName>ppt_x</p:attrName>
+                                        </p:attrNameLst>
+                                      </p:cBhvr>
+                                      <p:tavLst>
+                                        <p:tav tm="0">
+                                          <p:val>
+                                            <p:strVal val="#ppt_x"/>
+                                          </p:val>
+                                        </p:tav>
+                                        <p:tav tm="100000">
+                                          <p:val>
+                                            <p:strVal val="#ppt_x"/>
+                                          </p:val>
+                                        </p:tav>
+                                      </p:tavLst>
+                                    </p:anim>
+                                    <p:anim calcmode="lin" valueType="num">
+                                      <p:cBhvr>
+                                        <p:cTn id="139" dur="1000" fill="hold"/>
+                                        <p:tgtEl>
+                                          <p:spTgt spid="34"/>
+                                        </p:tgtEl>
+                                        <p:attrNameLst>
+                                          <p:attrName>ppt_y</p:attrName>
+                                        </p:attrNameLst>
+                                      </p:cBhvr>
+                                      <p:tavLst>
+                                        <p:tav tm="0">
+                                          <p:val>
+                                            <p:strVal val="#ppt_y+.1"/>
+                                          </p:val>
+                                        </p:tav>
+                                        <p:tav tm="100000">
+                                          <p:val>
+                                            <p:strVal val="#ppt_y"/>
+                                          </p:val>
+                                        </p:tav>
+                                      </p:tavLst>
+                                    </p:anim>
+                                  </p:childTnLst>
+                                </p:cTn>
+                              </p:par>
+                            </p:childTnLst>
+                          </p:cTn>
+                        </p:par>
+                      </p:childTnLst>
+                    </p:cTn>
+                  </p:par>
+                  <p:par>
+                    <p:cTn id="140" fill="hold">
+                      <p:stCondLst>
+                        <p:cond delay="indefinite"/>
+                      </p:stCondLst>
+                      <p:childTnLst>
+                        <p:par>
+                          <p:cTn id="141" fill="hold">
+                            <p:stCondLst>
+                              <p:cond delay="0"/>
+                            </p:stCondLst>
+                            <p:childTnLst>
+                              <p:par>
+                                <p:cTn id="142" presetID="42" presetClass="entr" presetSubtype="0" fill="hold" grpId="0" nodeType="clickEffect">
+                                  <p:stCondLst>
+                                    <p:cond delay="0"/>
+                                  </p:stCondLst>
+                                  <p:childTnLst>
+                                    <p:set>
+                                      <p:cBhvr>
+                                        <p:cTn id="143" dur="1" fill="hold">
+                                          <p:stCondLst>
+                                            <p:cond delay="0"/>
+                                          </p:stCondLst>
+                                        </p:cTn>
+                                        <p:tgtEl>
+                                          <p:spTgt spid="29"/>
+                                        </p:tgtEl>
+                                        <p:attrNameLst>
+                                          <p:attrName>style.visibility</p:attrName>
+                                        </p:attrNameLst>
+                                      </p:cBhvr>
+                                      <p:to>
+                                        <p:strVal val="visible"/>
+                                      </p:to>
+                                    </p:set>
+                                    <p:animEffect transition="in" filter="fade">
+                                      <p:cBhvr>
+                                        <p:cTn id="144" dur="1000"/>
+                                        <p:tgtEl>
+                                          <p:spTgt spid="29"/>
+                                        </p:tgtEl>
+                                      </p:cBhvr>
+                                    </p:animEffect>
+                                    <p:anim calcmode="lin" valueType="num">
+                                      <p:cBhvr>
+                                        <p:cTn id="145" dur="1000" fill="hold"/>
+                                        <p:tgtEl>
+                                          <p:spTgt spid="29"/>
+                                        </p:tgtEl>
+                                        <p:attrNameLst>
+                                          <p:attrName>ppt_x</p:attrName>
+                                        </p:attrNameLst>
+                                      </p:cBhvr>
+                                      <p:tavLst>
+                                        <p:tav tm="0">
+                                          <p:val>
+                                            <p:strVal val="#ppt_x"/>
+                                          </p:val>
+                                        </p:tav>
+                                        <p:tav tm="100000">
+                                          <p:val>
+                                            <p:strVal val="#ppt_x"/>
+                                          </p:val>
+                                        </p:tav>
+                                      </p:tavLst>
+                                    </p:anim>
+                                    <p:anim calcmode="lin" valueType="num">
+                                      <p:cBhvr>
+                                        <p:cTn id="146" dur="1000" fill="hold"/>
+                                        <p:tgtEl>
+                                          <p:spTgt spid="29"/>
+                                        </p:tgtEl>
+                                        <p:attrNameLst>
+                                          <p:attrName>ppt_y</p:attrName>
+                                        </p:attrNameLst>
+                                      </p:cBhvr>
+                                      <p:tavLst>
+                                        <p:tav tm="0">
+                                          <p:val>
+                                            <p:strVal val="#ppt_y+.1"/>
+                                          </p:val>
+                                        </p:tav>
+                                        <p:tav tm="100000">
+                                          <p:val>
+                                            <p:strVal val="#ppt_y"/>
+                                          </p:val>
+                                        </p:tav>
+                                      </p:tavLst>
+                                    </p:anim>
+                                  </p:childTnLst>
+                                </p:cTn>
+                              </p:par>
+                            </p:childTnLst>
+                          </p:cTn>
+                        </p:par>
+                      </p:childTnLst>
+                    </p:cTn>
+                  </p:par>
+                  <p:par>
+                    <p:cTn id="147" fill="hold">
+                      <p:stCondLst>
+                        <p:cond delay="indefinite"/>
+                      </p:stCondLst>
+                      <p:childTnLst>
+                        <p:par>
+                          <p:cTn id="148" fill="hold">
+                            <p:stCondLst>
+                              <p:cond delay="0"/>
+                            </p:stCondLst>
+                            <p:childTnLst>
+                              <p:par>
+                                <p:cTn id="149" presetID="42" presetClass="entr" presetSubtype="0" fill="hold" grpId="0" nodeType="clickEffect">
+                                  <p:stCondLst>
+                                    <p:cond delay="0"/>
+                                  </p:stCondLst>
+                                  <p:childTnLst>
+                                    <p:set>
+                                      <p:cBhvr>
+                                        <p:cTn id="150" dur="1" fill="hold">
+                                          <p:stCondLst>
+                                            <p:cond delay="0"/>
+                                          </p:stCondLst>
+                                        </p:cTn>
+                                        <p:tgtEl>
+                                          <p:spTgt spid="13"/>
+                                        </p:tgtEl>
+                                        <p:attrNameLst>
+                                          <p:attrName>style.visibility</p:attrName>
+                                        </p:attrNameLst>
+                                      </p:cBhvr>
+                                      <p:to>
+                                        <p:strVal val="visible"/>
+                                      </p:to>
+                                    </p:set>
+                                    <p:animEffect transition="in" filter="fade">
+                                      <p:cBhvr>
+                                        <p:cTn id="151" dur="1000"/>
+                                        <p:tgtEl>
+                                          <p:spTgt spid="13"/>
+                                        </p:tgtEl>
+                                      </p:cBhvr>
+                                    </p:animEffect>
+                                    <p:anim calcmode="lin" valueType="num">
+                                      <p:cBhvr>
+                                        <p:cTn id="152" dur="1000" fill="hold"/>
+                                        <p:tgtEl>
+                                          <p:spTgt spid="13"/>
+                                        </p:tgtEl>
+                                        <p:attrNameLst>
+                                          <p:attrName>ppt_x</p:attrName>
+                                        </p:attrNameLst>
+                                      </p:cBhvr>
+                                      <p:tavLst>
+                                        <p:tav tm="0">
+                                          <p:val>
+                                            <p:strVal val="#ppt_x"/>
+                                          </p:val>
+                                        </p:tav>
+                                        <p:tav tm="100000">
+                                          <p:val>
+                                            <p:strVal val="#ppt_x"/>
+                                          </p:val>
+                                        </p:tav>
+                                      </p:tavLst>
+                                    </p:anim>
+                                    <p:anim calcmode="lin" valueType="num">
+                                      <p:cBhvr>
+                                        <p:cTn id="153" dur="1000" fill="hold"/>
+                                        <p:tgtEl>
+                                          <p:spTgt spid="13"/>
+                                        </p:tgtEl>
+                                        <p:attrNameLst>
+                                          <p:attrName>ppt_y</p:attrName>
+                                        </p:attrNameLst>
+                                      </p:cBhvr>
+                                      <p:tavLst>
+                                        <p:tav tm="0">
+                                          <p:val>
+                                            <p:strVal val="#ppt_y+.1"/>
+                                          </p:val>
+                                        </p:tav>
+                                        <p:tav tm="100000">
+                                          <p:val>
+                                            <p:strVal val="#ppt_y"/>
+                                          </p:val>
+                                        </p:tav>
+                                      </p:tavLst>
+                                    </p:anim>
+                                  </p:childTnLst>
+                                </p:cTn>
+                              </p:par>
+                              <p:par>
+                                <p:cTn id="154" presetID="42" presetClass="entr" presetSubtype="0" fill="hold" grpId="0" nodeType="withEffect">
+                                  <p:stCondLst>
+                                    <p:cond delay="0"/>
+                                  </p:stCondLst>
+                                  <p:childTnLst>
+                                    <p:set>
+                                      <p:cBhvr>
+                                        <p:cTn id="155" dur="1" fill="hold">
+                                          <p:stCondLst>
+                                            <p:cond delay="0"/>
+                                          </p:stCondLst>
+                                        </p:cTn>
+                                        <p:tgtEl>
+                                          <p:spTgt spid="14"/>
+                                        </p:tgtEl>
+                                        <p:attrNameLst>
+                                          <p:attrName>style.visibility</p:attrName>
+                                        </p:attrNameLst>
+                                      </p:cBhvr>
+                                      <p:to>
+                                        <p:strVal val="visible"/>
+                                      </p:to>
+                                    </p:set>
+                                    <p:animEffect transition="in" filter="fade">
+                                      <p:cBhvr>
+                                        <p:cTn id="156" dur="1000"/>
+                                        <p:tgtEl>
+                                          <p:spTgt spid="14"/>
+                                        </p:tgtEl>
+                                      </p:cBhvr>
+                                    </p:animEffect>
+                                    <p:anim calcmode="lin" valueType="num">
+                                      <p:cBhvr>
+                                        <p:cTn id="157" dur="1000" fill="hold"/>
+                                        <p:tgtEl>
+                                          <p:spTgt spid="14"/>
+                                        </p:tgtEl>
+                                        <p:attrNameLst>
+                                          <p:attrName>ppt_x</p:attrName>
+                                        </p:attrNameLst>
+                                      </p:cBhvr>
+                                      <p:tavLst>
+                                        <p:tav tm="0">
+                                          <p:val>
+                                            <p:strVal val="#ppt_x"/>
+                                          </p:val>
+                                        </p:tav>
+                                        <p:tav tm="100000">
+                                          <p:val>
+                                            <p:strVal val="#ppt_x"/>
+                                          </p:val>
+                                        </p:tav>
+                                      </p:tavLst>
+                                    </p:anim>
+                                    <p:anim calcmode="lin" valueType="num">
+                                      <p:cBhvr>
+                                        <p:cTn id="158" dur="1000" fill="hold"/>
+                                        <p:tgtEl>
+                                          <p:spTgt spid="14"/>
+                                        </p:tgtEl>
+                                        <p:attrNameLst>
+                                          <p:attrName>ppt_y</p:attrName>
+                                        </p:attrNameLst>
+                                      </p:cBhvr>
+                                      <p:tavLst>
+                                        <p:tav tm="0">
+                                          <p:val>
+                                            <p:strVal val="#ppt_y+.1"/>
+                                          </p:val>
+                                        </p:tav>
+                                        <p:tav tm="100000">
+                                          <p:val>
+                                            <p:strVal val="#ppt_y"/>
+                                          </p:val>
+                                        </p:tav>
+                                      </p:tavLst>
+                                    </p:anim>
+                                  </p:childTnLst>
+                                </p:cTn>
+                              </p:par>
+                              <p:par>
+                                <p:cTn id="159" presetID="42" presetClass="entr" presetSubtype="0" fill="hold" grpId="0" nodeType="withEffect">
+                                  <p:stCondLst>
+                                    <p:cond delay="0"/>
+                                  </p:stCondLst>
+                                  <p:childTnLst>
+                                    <p:set>
+                                      <p:cBhvr>
+                                        <p:cTn id="160" dur="1" fill="hold">
+                                          <p:stCondLst>
+                                            <p:cond delay="0"/>
+                                          </p:stCondLst>
+                                        </p:cTn>
+                                        <p:tgtEl>
+                                          <p:spTgt spid="15"/>
+                                        </p:tgtEl>
+                                        <p:attrNameLst>
+                                          <p:attrName>style.visibility</p:attrName>
+                                        </p:attrNameLst>
+                                      </p:cBhvr>
+                                      <p:to>
+                                        <p:strVal val="visible"/>
+                                      </p:to>
+                                    </p:set>
+                                    <p:animEffect transition="in" filter="fade">
+                                      <p:cBhvr>
+                                        <p:cTn id="161" dur="1000"/>
+                                        <p:tgtEl>
+                                          <p:spTgt spid="15"/>
+                                        </p:tgtEl>
+                                      </p:cBhvr>
+                                    </p:animEffect>
+                                    <p:anim calcmode="lin" valueType="num">
+                                      <p:cBhvr>
+                                        <p:cTn id="162" dur="1000" fill="hold"/>
+                                        <p:tgtEl>
+                                          <p:spTgt spid="15"/>
+                                        </p:tgtEl>
+                                        <p:attrNameLst>
+                                          <p:attrName>ppt_x</p:attrName>
+                                        </p:attrNameLst>
+                                      </p:cBhvr>
+                                      <p:tavLst>
+                                        <p:tav tm="0">
+                                          <p:val>
+                                            <p:strVal val="#ppt_x"/>
+                                          </p:val>
+                                        </p:tav>
+                                        <p:tav tm="100000">
+                                          <p:val>
+                                            <p:strVal val="#ppt_x"/>
+                                          </p:val>
+                                        </p:tav>
+                                      </p:tavLst>
+                                    </p:anim>
+                                    <p:anim calcmode="lin" valueType="num">
+                                      <p:cBhvr>
+                                        <p:cTn id="163" dur="1000" fill="hold"/>
+                                        <p:tgtEl>
+                                          <p:spTgt spid="15"/>
+                                        </p:tgtEl>
+                                        <p:attrNameLst>
+                                          <p:attrName>ppt_y</p:attrName>
+                                        </p:attrNameLst>
+                                      </p:cBhvr>
+                                      <p:tavLst>
+                                        <p:tav tm="0">
+                                          <p:val>
+                                            <p:strVal val="#ppt_y+.1"/>
+                                          </p:val>
+                                        </p:tav>
+                                        <p:tav tm="100000">
+                                          <p:val>
+                                            <p:strVal val="#ppt_y"/>
+                                          </p:val>
+                                        </p:tav>
+                                      </p:tavLst>
+                                    </p:anim>
+                                  </p:childTnLst>
+                                </p:cTn>
+                              </p:par>
+                              <p:par>
+                                <p:cTn id="164" presetID="42" presetClass="entr" presetSubtype="0" fill="hold" nodeType="withEffect">
+                                  <p:stCondLst>
+                                    <p:cond delay="0"/>
+                                  </p:stCondLst>
+                                  <p:childTnLst>
+                                    <p:set>
+                                      <p:cBhvr>
+                                        <p:cTn id="165" dur="1" fill="hold">
+                                          <p:stCondLst>
+                                            <p:cond delay="0"/>
+                                          </p:stCondLst>
+                                        </p:cTn>
+                                        <p:tgtEl>
+                                          <p:spTgt spid="23"/>
+                                        </p:tgtEl>
+                                        <p:attrNameLst>
+                                          <p:attrName>style.visibility</p:attrName>
+                                        </p:attrNameLst>
+                                      </p:cBhvr>
+                                      <p:to>
+                                        <p:strVal val="visible"/>
+                                      </p:to>
+                                    </p:set>
+                                    <p:animEffect transition="in" filter="fade">
+                                      <p:cBhvr>
+                                        <p:cTn id="166" dur="1000"/>
+                                        <p:tgtEl>
+                                          <p:spTgt spid="23"/>
+                                        </p:tgtEl>
+                                      </p:cBhvr>
+                                    </p:animEffect>
+                                    <p:anim calcmode="lin" valueType="num">
+                                      <p:cBhvr>
+                                        <p:cTn id="167" dur="1000" fill="hold"/>
+                                        <p:tgtEl>
+                                          <p:spTgt spid="23"/>
+                                        </p:tgtEl>
+                                        <p:attrNameLst>
+                                          <p:attrName>ppt_x</p:attrName>
+                                        </p:attrNameLst>
+                                      </p:cBhvr>
+                                      <p:tavLst>
+                                        <p:tav tm="0">
+                                          <p:val>
+                                            <p:strVal val="#ppt_x"/>
+                                          </p:val>
+                                        </p:tav>
+                                        <p:tav tm="100000">
+                                          <p:val>
+                                            <p:strVal val="#ppt_x"/>
+                                          </p:val>
+                                        </p:tav>
+                                      </p:tavLst>
+                                    </p:anim>
+                                    <p:anim calcmode="lin" valueType="num">
+                                      <p:cBhvr>
+                                        <p:cTn id="168" dur="1000" fill="hold"/>
+                                        <p:tgtEl>
+                                          <p:spTgt spid="23"/>
+                                        </p:tgtEl>
+                                        <p:attrNameLst>
+                                          <p:attrName>ppt_y</p:attrName>
+                                        </p:attrNameLst>
+                                      </p:cBhvr>
+                                      <p:tavLst>
+                                        <p:tav tm="0">
+                                          <p:val>
+                                            <p:strVal val="#ppt_y+.1"/>
+                                          </p:val>
+                                        </p:tav>
+                                        <p:tav tm="100000">
+                                          <p:val>
+                                            <p:strVal val="#ppt_y"/>
+                                          </p:val>
+                                        </p:tav>
+                                      </p:tavLst>
+                                    </p:anim>
+                                  </p:childTnLst>
+                                </p:cTn>
+                              </p:par>
+                              <p:par>
+                                <p:cTn id="169" presetID="42" presetClass="entr" presetSubtype="0" fill="hold" nodeType="withEffect">
+                                  <p:stCondLst>
+                                    <p:cond delay="0"/>
+                                  </p:stCondLst>
+                                  <p:childTnLst>
+                                    <p:set>
+                                      <p:cBhvr>
+                                        <p:cTn id="170" dur="1" fill="hold">
+                                          <p:stCondLst>
+                                            <p:cond delay="0"/>
+                                          </p:stCondLst>
+                                        </p:cTn>
+                                        <p:tgtEl>
+                                          <p:spTgt spid="24"/>
+                                        </p:tgtEl>
+                                        <p:attrNameLst>
+                                          <p:attrName>style.visibility</p:attrName>
+                                        </p:attrNameLst>
+                                      </p:cBhvr>
+                                      <p:to>
+                                        <p:strVal val="visible"/>
+                                      </p:to>
+                                    </p:set>
+                                    <p:animEffect transition="in" filter="fade">
+                                      <p:cBhvr>
+                                        <p:cTn id="171" dur="1000"/>
+                                        <p:tgtEl>
+                                          <p:spTgt spid="24"/>
+                                        </p:tgtEl>
+                                      </p:cBhvr>
+                                    </p:animEffect>
+                                    <p:anim calcmode="lin" valueType="num">
+                                      <p:cBhvr>
+                                        <p:cTn id="172" dur="1000" fill="hold"/>
+                                        <p:tgtEl>
+                                          <p:spTgt spid="24"/>
+                                        </p:tgtEl>
+                                        <p:attrNameLst>
+                                          <p:attrName>ppt_x</p:attrName>
+                                        </p:attrNameLst>
+                                      </p:cBhvr>
+                                      <p:tavLst>
+                                        <p:tav tm="0">
+                                          <p:val>
+                                            <p:strVal val="#ppt_x"/>
+                                          </p:val>
+                                        </p:tav>
+                                        <p:tav tm="100000">
+                                          <p:val>
+                                            <p:strVal val="#ppt_x"/>
+                                          </p:val>
+                                        </p:tav>
+                                      </p:tavLst>
+                                    </p:anim>
+                                    <p:anim calcmode="lin" valueType="num">
+                                      <p:cBhvr>
+                                        <p:cTn id="173" dur="1000" fill="hold"/>
+                                        <p:tgtEl>
+                                          <p:spTgt spid="24"/>
+                                        </p:tgtEl>
+                                        <p:attrNameLst>
+                                          <p:attrName>ppt_y</p:attrName>
+                                        </p:attrNameLst>
+                                      </p:cBhvr>
+                                      <p:tavLst>
+                                        <p:tav tm="0">
+                                          <p:val>
+                                            <p:strVal val="#ppt_y+.1"/>
+                                          </p:val>
+                                        </p:tav>
+                                        <p:tav tm="100000">
+                                          <p:val>
+                                            <p:strVal val="#ppt_y"/>
+                                          </p:val>
+                                        </p:tav>
+                                      </p:tavLst>
+                                    </p:anim>
+                                  </p:childTnLst>
+                                </p:cTn>
+                              </p:par>
+                              <p:par>
+                                <p:cTn id="174" presetID="42" presetClass="entr" presetSubtype="0" fill="hold" nodeType="withEffect">
+                                  <p:stCondLst>
+                                    <p:cond delay="0"/>
+                                  </p:stCondLst>
+                                  <p:childTnLst>
+                                    <p:set>
+                                      <p:cBhvr>
+                                        <p:cTn id="175" dur="1" fill="hold">
+                                          <p:stCondLst>
+                                            <p:cond delay="0"/>
+                                          </p:stCondLst>
+                                        </p:cTn>
+                                        <p:tgtEl>
+                                          <p:spTgt spid="25"/>
+                                        </p:tgtEl>
+                                        <p:attrNameLst>
+                                          <p:attrName>style.visibility</p:attrName>
+                                        </p:attrNameLst>
+                                      </p:cBhvr>
+                                      <p:to>
+                                        <p:strVal val="visible"/>
+                                      </p:to>
+                                    </p:set>
+                                    <p:animEffect transition="in" filter="fade">
+                                      <p:cBhvr>
+                                        <p:cTn id="176" dur="1000"/>
+                                        <p:tgtEl>
+                                          <p:spTgt spid="25"/>
+                                        </p:tgtEl>
+                                      </p:cBhvr>
+                                    </p:animEffect>
+                                    <p:anim calcmode="lin" valueType="num">
+                                      <p:cBhvr>
+                                        <p:cTn id="177" dur="1000" fill="hold"/>
+                                        <p:tgtEl>
+                                          <p:spTgt spid="25"/>
+                                        </p:tgtEl>
+                                        <p:attrNameLst>
+                                          <p:attrName>ppt_x</p:attrName>
+                                        </p:attrNameLst>
+                                      </p:cBhvr>
+                                      <p:tavLst>
+                                        <p:tav tm="0">
+                                          <p:val>
+                                            <p:strVal val="#ppt_x"/>
+                                          </p:val>
+                                        </p:tav>
+                                        <p:tav tm="100000">
+                                          <p:val>
+                                            <p:strVal val="#ppt_x"/>
+                                          </p:val>
+                                        </p:tav>
+                                      </p:tavLst>
+                                    </p:anim>
+                                    <p:anim calcmode="lin" valueType="num">
+                                      <p:cBhvr>
+                                        <p:cTn id="178" dur="1000" fill="hold"/>
+                                        <p:tgtEl>
+                                          <p:spTgt spid="25"/>
+                                        </p:tgtEl>
+                                        <p:attrNameLst>
+                                          <p:attrName>ppt_y</p:attrName>
+                                        </p:attrNameLst>
+                                      </p:cBhvr>
+                                      <p:tavLst>
+                                        <p:tav tm="0">
+                                          <p:val>
+                                            <p:strVal val="#ppt_y+.1"/>
+                                          </p:val>
+                                        </p:tav>
+                                        <p:tav tm="100000">
+                                          <p:val>
+                                            <p:strVal val="#ppt_y"/>
+                                          </p:val>
+                                        </p:tav>
+                                      </p:tavLst>
+                                    </p:anim>
+                                  </p:childTnLst>
+                                </p:cTn>
+                              </p:par>
+                            </p:childTnLst>
+                          </p:cTn>
+                        </p:par>
+                      </p:childTnLst>
+                    </p:cTn>
+                  </p:par>
+                </p:childTnLst>
+              </p:cTn>
+              <p:prevCondLst>
+                <p:cond evt="onPrev" delay="0">
+                  <p:tgtEl>
+                    <p:sldTgt/>
+                  </p:tgtEl>
+                </p:cond>
+              </p:prevCondLst>
+              <p:nextCondLst>
+                <p:cond evt="onNext" delay="0">
+                  <p:tgtEl>
+                    <p:sldTgt/>
+                  </p:tgtEl>
+                </p:cond>
+              </p:nextCondLst>
+            </p:seq>
+          </p:childTnLst>
+        </p:cTn>
+      </p:par>
+    </p:tnLst>
+    <p:bldLst>
+      <p:bldP spid="3" grpId="0" animBg="1"/>
+      <p:bldP spid="4" grpId="0" animBg="1"/>
+      <p:bldP spid="5" grpId="0" animBg="1"/>
+      <p:bldP spid="6" grpId="0" animBg="1"/>
+      <p:bldP spid="7" grpId="0" animBg="1"/>
+      <p:bldP spid="8" grpId="0" animBg="1"/>
+      <p:bldP spid="9" grpId="0"/>
+      <p:bldP spid="10" grpId="0" animBg="1"/>
+      <p:bldP spid="11" grpId="0" animBg="1"/>
+      <p:bldP spid="12" grpId="0" animBg="1"/>
+      <p:bldP spid="13" grpId="0" animBg="1"/>
+      <p:bldP spid="14" grpId="0" animBg="1"/>
+      <p:bldP spid="15" grpId="0" animBg="1"/>
+      <p:bldP spid="27" grpId="0"/>
+      <p:bldP spid="28" grpId="0"/>
+      <p:bldP spid="29" grpId="0"/>
+      <p:bldP spid="30" grpId="0"/>
+      <p:bldP spid="31" grpId="0" animBg="1"/>
+    </p:bldLst>
+  </p:timing>
+</p:sld>
+</file>
+
 <file path=ppt/theme/theme1.xml><?xml version="1.0" encoding="utf-8"?>
 <a:theme xmlns:a="http://schemas.openxmlformats.org/drawingml/2006/main" name="Office 主题​​">
   <a:themeElements>
